--- a/plan_effect.pptx
+++ b/plan_effect.pptx
@@ -14193,8 +14193,1764 @@
         </p:nvGrpSpPr>
         <p:grpSpPr>
           <a:xfrm>
+            <a:off x="2532184" y="1386675"/>
+            <a:ext cx="7083250" cy="3817287"/>
+            <a:chOff x="466411" y="1753099"/>
+            <a:chExt cx="10515600" cy="4298520"/>
+          </a:xfrm>
+          <a:solidFill>
+            <a:schemeClr val="accent1">
+              <a:lumMod val="40000"/>
+              <a:lumOff val="60000"/>
+            </a:schemeClr>
+          </a:solidFill>
+        </p:grpSpPr>
+        <p:sp>
+          <p:nvSpPr>
+            <p:cNvPr id="24" name="자유형 23"/>
+            <p:cNvSpPr/>
+            <p:nvPr/>
+          </p:nvSpPr>
+          <p:spPr>
+            <a:xfrm>
+              <a:off x="466411" y="1753099"/>
+              <a:ext cx="10515600" cy="1437947"/>
+            </a:xfrm>
+            <a:custGeom>
+              <a:avLst/>
+              <a:gdLst>
+                <a:gd name="connsiteX0" fmla="*/ 0 w 10515600"/>
+                <a:gd name="connsiteY0" fmla="*/ 130026 h 1300261"/>
+                <a:gd name="connsiteX1" fmla="*/ 130026 w 10515600"/>
+                <a:gd name="connsiteY1" fmla="*/ 0 h 1300261"/>
+                <a:gd name="connsiteX2" fmla="*/ 10385574 w 10515600"/>
+                <a:gd name="connsiteY2" fmla="*/ 0 h 1300261"/>
+                <a:gd name="connsiteX3" fmla="*/ 10515600 w 10515600"/>
+                <a:gd name="connsiteY3" fmla="*/ 130026 h 1300261"/>
+                <a:gd name="connsiteX4" fmla="*/ 10515600 w 10515600"/>
+                <a:gd name="connsiteY4" fmla="*/ 1170235 h 1300261"/>
+                <a:gd name="connsiteX5" fmla="*/ 10385574 w 10515600"/>
+                <a:gd name="connsiteY5" fmla="*/ 1300261 h 1300261"/>
+                <a:gd name="connsiteX6" fmla="*/ 130026 w 10515600"/>
+                <a:gd name="connsiteY6" fmla="*/ 1300261 h 1300261"/>
+                <a:gd name="connsiteX7" fmla="*/ 0 w 10515600"/>
+                <a:gd name="connsiteY7" fmla="*/ 1170235 h 1300261"/>
+                <a:gd name="connsiteX8" fmla="*/ 0 w 10515600"/>
+                <a:gd name="connsiteY8" fmla="*/ 130026 h 1300261"/>
+              </a:gdLst>
+              <a:ahLst/>
+              <a:cxnLst>
+                <a:cxn ang="0">
+                  <a:pos x="connsiteX0" y="connsiteY0"/>
+                </a:cxn>
+                <a:cxn ang="0">
+                  <a:pos x="connsiteX1" y="connsiteY1"/>
+                </a:cxn>
+                <a:cxn ang="0">
+                  <a:pos x="connsiteX2" y="connsiteY2"/>
+                </a:cxn>
+                <a:cxn ang="0">
+                  <a:pos x="connsiteX3" y="connsiteY3"/>
+                </a:cxn>
+                <a:cxn ang="0">
+                  <a:pos x="connsiteX4" y="connsiteY4"/>
+                </a:cxn>
+                <a:cxn ang="0">
+                  <a:pos x="connsiteX5" y="connsiteY5"/>
+                </a:cxn>
+                <a:cxn ang="0">
+                  <a:pos x="connsiteX6" y="connsiteY6"/>
+                </a:cxn>
+                <a:cxn ang="0">
+                  <a:pos x="connsiteX7" y="connsiteY7"/>
+                </a:cxn>
+                <a:cxn ang="0">
+                  <a:pos x="connsiteX8" y="connsiteY8"/>
+                </a:cxn>
+              </a:cxnLst>
+              <a:rect l="l" t="t" r="r" b="b"/>
+              <a:pathLst>
+                <a:path w="10515600" h="1300261">
+                  <a:moveTo>
+                    <a:pt x="0" y="130026"/>
+                  </a:moveTo>
+                  <a:cubicBezTo>
+                    <a:pt x="0" y="58215"/>
+                    <a:pt x="58215" y="0"/>
+                    <a:pt x="130026" y="0"/>
+                  </a:cubicBezTo>
+                  <a:lnTo>
+                    <a:pt x="10385574" y="0"/>
+                  </a:lnTo>
+                  <a:cubicBezTo>
+                    <a:pt x="10457385" y="0"/>
+                    <a:pt x="10515600" y="58215"/>
+                    <a:pt x="10515600" y="130026"/>
+                  </a:cubicBezTo>
+                  <a:lnTo>
+                    <a:pt x="10515600" y="1170235"/>
+                  </a:lnTo>
+                  <a:cubicBezTo>
+                    <a:pt x="10515600" y="1242046"/>
+                    <a:pt x="10457385" y="1300261"/>
+                    <a:pt x="10385574" y="1300261"/>
+                  </a:cubicBezTo>
+                  <a:lnTo>
+                    <a:pt x="130026" y="1300261"/>
+                  </a:lnTo>
+                  <a:cubicBezTo>
+                    <a:pt x="58215" y="1300261"/>
+                    <a:pt x="0" y="1242046"/>
+                    <a:pt x="0" y="1170235"/>
+                  </a:cubicBezTo>
+                  <a:lnTo>
+                    <a:pt x="0" y="130026"/>
+                  </a:lnTo>
+                  <a:close/>
+                </a:path>
+              </a:pathLst>
+            </a:custGeom>
+            <a:grpFill/>
+          </p:spPr>
+          <p:style>
+            <a:lnRef idx="2">
+              <a:schemeClr val="lt1">
+                <a:hueOff val="0"/>
+                <a:satOff val="0"/>
+                <a:lumOff val="0"/>
+                <a:alphaOff val="0"/>
+              </a:schemeClr>
+            </a:lnRef>
+            <a:fillRef idx="1">
+              <a:schemeClr val="accent1">
+                <a:hueOff val="0"/>
+                <a:satOff val="0"/>
+                <a:lumOff val="0"/>
+                <a:alphaOff val="0"/>
+              </a:schemeClr>
+            </a:fillRef>
+            <a:effectRef idx="0">
+              <a:schemeClr val="accent1">
+                <a:hueOff val="0"/>
+                <a:satOff val="0"/>
+                <a:lumOff val="0"/>
+                <a:alphaOff val="0"/>
+              </a:schemeClr>
+            </a:effectRef>
+            <a:fontRef idx="minor">
+              <a:schemeClr val="lt1"/>
+            </a:fontRef>
+          </p:style>
+          <p:txBody>
+            <a:bodyPr spcFirstLastPara="0" vert="horz" wrap="square" lIns="2301726" tIns="68580" rIns="68581" bIns="68580" numCol="1" spcCol="1270" anchor="t" anchorCtr="0">
+              <a:noAutofit/>
+            </a:bodyPr>
+            <a:lstStyle/>
+            <a:p>
+              <a:pPr marL="0" lvl="1" algn="l" defTabSz="622300" latinLnBrk="1">
+                <a:lnSpc>
+                  <a:spcPct val="90000"/>
+                </a:lnSpc>
+                <a:spcBef>
+                  <a:spcPct val="0"/>
+                </a:spcBef>
+                <a:spcAft>
+                  <a:spcPct val="15000"/>
+                </a:spcAft>
+              </a:pPr>
+              <a:endParaRPr lang="ko-KR" altLang="en-US" sz="1400" kern="1200" dirty="0"/>
+            </a:p>
+          </p:txBody>
+        </p:sp>
+        <p:sp>
+          <p:nvSpPr>
+            <p:cNvPr id="26" name="자유형 25"/>
+            <p:cNvSpPr/>
+            <p:nvPr/>
+          </p:nvSpPr>
+          <p:spPr>
+            <a:xfrm>
+              <a:off x="466411" y="3321070"/>
+              <a:ext cx="10515600" cy="1300261"/>
+            </a:xfrm>
+            <a:custGeom>
+              <a:avLst/>
+              <a:gdLst>
+                <a:gd name="connsiteX0" fmla="*/ 0 w 10515600"/>
+                <a:gd name="connsiteY0" fmla="*/ 130026 h 1300261"/>
+                <a:gd name="connsiteX1" fmla="*/ 130026 w 10515600"/>
+                <a:gd name="connsiteY1" fmla="*/ 0 h 1300261"/>
+                <a:gd name="connsiteX2" fmla="*/ 10385574 w 10515600"/>
+                <a:gd name="connsiteY2" fmla="*/ 0 h 1300261"/>
+                <a:gd name="connsiteX3" fmla="*/ 10515600 w 10515600"/>
+                <a:gd name="connsiteY3" fmla="*/ 130026 h 1300261"/>
+                <a:gd name="connsiteX4" fmla="*/ 10515600 w 10515600"/>
+                <a:gd name="connsiteY4" fmla="*/ 1170235 h 1300261"/>
+                <a:gd name="connsiteX5" fmla="*/ 10385574 w 10515600"/>
+                <a:gd name="connsiteY5" fmla="*/ 1300261 h 1300261"/>
+                <a:gd name="connsiteX6" fmla="*/ 130026 w 10515600"/>
+                <a:gd name="connsiteY6" fmla="*/ 1300261 h 1300261"/>
+                <a:gd name="connsiteX7" fmla="*/ 0 w 10515600"/>
+                <a:gd name="connsiteY7" fmla="*/ 1170235 h 1300261"/>
+                <a:gd name="connsiteX8" fmla="*/ 0 w 10515600"/>
+                <a:gd name="connsiteY8" fmla="*/ 130026 h 1300261"/>
+              </a:gdLst>
+              <a:ahLst/>
+              <a:cxnLst>
+                <a:cxn ang="0">
+                  <a:pos x="connsiteX0" y="connsiteY0"/>
+                </a:cxn>
+                <a:cxn ang="0">
+                  <a:pos x="connsiteX1" y="connsiteY1"/>
+                </a:cxn>
+                <a:cxn ang="0">
+                  <a:pos x="connsiteX2" y="connsiteY2"/>
+                </a:cxn>
+                <a:cxn ang="0">
+                  <a:pos x="connsiteX3" y="connsiteY3"/>
+                </a:cxn>
+                <a:cxn ang="0">
+                  <a:pos x="connsiteX4" y="connsiteY4"/>
+                </a:cxn>
+                <a:cxn ang="0">
+                  <a:pos x="connsiteX5" y="connsiteY5"/>
+                </a:cxn>
+                <a:cxn ang="0">
+                  <a:pos x="connsiteX6" y="connsiteY6"/>
+                </a:cxn>
+                <a:cxn ang="0">
+                  <a:pos x="connsiteX7" y="connsiteY7"/>
+                </a:cxn>
+                <a:cxn ang="0">
+                  <a:pos x="connsiteX8" y="connsiteY8"/>
+                </a:cxn>
+              </a:cxnLst>
+              <a:rect l="l" t="t" r="r" b="b"/>
+              <a:pathLst>
+                <a:path w="10515600" h="1300261">
+                  <a:moveTo>
+                    <a:pt x="0" y="130026"/>
+                  </a:moveTo>
+                  <a:cubicBezTo>
+                    <a:pt x="0" y="58215"/>
+                    <a:pt x="58215" y="0"/>
+                    <a:pt x="130026" y="0"/>
+                  </a:cubicBezTo>
+                  <a:lnTo>
+                    <a:pt x="10385574" y="0"/>
+                  </a:lnTo>
+                  <a:cubicBezTo>
+                    <a:pt x="10457385" y="0"/>
+                    <a:pt x="10515600" y="58215"/>
+                    <a:pt x="10515600" y="130026"/>
+                  </a:cubicBezTo>
+                  <a:lnTo>
+                    <a:pt x="10515600" y="1170235"/>
+                  </a:lnTo>
+                  <a:cubicBezTo>
+                    <a:pt x="10515600" y="1242046"/>
+                    <a:pt x="10457385" y="1300261"/>
+                    <a:pt x="10385574" y="1300261"/>
+                  </a:cubicBezTo>
+                  <a:lnTo>
+                    <a:pt x="130026" y="1300261"/>
+                  </a:lnTo>
+                  <a:cubicBezTo>
+                    <a:pt x="58215" y="1300261"/>
+                    <a:pt x="0" y="1242046"/>
+                    <a:pt x="0" y="1170235"/>
+                  </a:cubicBezTo>
+                  <a:lnTo>
+                    <a:pt x="0" y="130026"/>
+                  </a:lnTo>
+                  <a:close/>
+                </a:path>
+              </a:pathLst>
+            </a:custGeom>
+            <a:grpFill/>
+          </p:spPr>
+          <p:style>
+            <a:lnRef idx="2">
+              <a:schemeClr val="lt1">
+                <a:hueOff val="0"/>
+                <a:satOff val="0"/>
+                <a:lumOff val="0"/>
+                <a:alphaOff val="0"/>
+              </a:schemeClr>
+            </a:lnRef>
+            <a:fillRef idx="1">
+              <a:schemeClr val="accent1">
+                <a:hueOff val="0"/>
+                <a:satOff val="0"/>
+                <a:lumOff val="0"/>
+                <a:alphaOff val="0"/>
+              </a:schemeClr>
+            </a:fillRef>
+            <a:effectRef idx="0">
+              <a:schemeClr val="accent1">
+                <a:hueOff val="0"/>
+                <a:satOff val="0"/>
+                <a:lumOff val="0"/>
+                <a:alphaOff val="0"/>
+              </a:schemeClr>
+            </a:effectRef>
+            <a:fontRef idx="minor">
+              <a:schemeClr val="lt1"/>
+            </a:fontRef>
+          </p:style>
+          <p:txBody>
+            <a:bodyPr spcFirstLastPara="0" vert="horz" wrap="square" lIns="2301726" tIns="68580" rIns="68581" bIns="68580" numCol="1" spcCol="1270" anchor="t" anchorCtr="0">
+              <a:noAutofit/>
+            </a:bodyPr>
+            <a:lstStyle/>
+            <a:p>
+              <a:pPr lvl="0" algn="l" defTabSz="800100" latinLnBrk="1">
+                <a:lnSpc>
+                  <a:spcPct val="90000"/>
+                </a:lnSpc>
+                <a:spcBef>
+                  <a:spcPct val="0"/>
+                </a:spcBef>
+                <a:spcAft>
+                  <a:spcPct val="35000"/>
+                </a:spcAft>
+              </a:pPr>
+              <a:endParaRPr lang="ko-KR" altLang="en-US" sz="1800" kern="1200"/>
+            </a:p>
+            <a:p>
+              <a:pPr marL="114300" lvl="1" indent="-114300" algn="l" defTabSz="622300" latinLnBrk="1">
+                <a:lnSpc>
+                  <a:spcPct val="90000"/>
+                </a:lnSpc>
+                <a:spcBef>
+                  <a:spcPct val="0"/>
+                </a:spcBef>
+                <a:spcAft>
+                  <a:spcPct val="15000"/>
+                </a:spcAft>
+                <a:buChar char="••"/>
+              </a:pPr>
+              <a:endParaRPr lang="ko-KR" altLang="en-US" sz="1400" kern="1200"/>
+            </a:p>
+            <a:p>
+              <a:pPr marL="114300" lvl="1" indent="-114300" algn="l" defTabSz="622300" latinLnBrk="1">
+                <a:lnSpc>
+                  <a:spcPct val="90000"/>
+                </a:lnSpc>
+                <a:spcBef>
+                  <a:spcPct val="0"/>
+                </a:spcBef>
+                <a:spcAft>
+                  <a:spcPct val="15000"/>
+                </a:spcAft>
+                <a:buChar char="••"/>
+              </a:pPr>
+              <a:endParaRPr lang="ko-KR" altLang="en-US" sz="1400" kern="1200"/>
+            </a:p>
+          </p:txBody>
+        </p:sp>
+        <p:sp>
+          <p:nvSpPr>
+            <p:cNvPr id="28" name="자유형 27"/>
+            <p:cNvSpPr/>
+            <p:nvPr/>
+          </p:nvSpPr>
+          <p:spPr>
+            <a:xfrm>
+              <a:off x="466411" y="4751358"/>
+              <a:ext cx="10515600" cy="1300261"/>
+            </a:xfrm>
+            <a:custGeom>
+              <a:avLst/>
+              <a:gdLst>
+                <a:gd name="connsiteX0" fmla="*/ 0 w 10515600"/>
+                <a:gd name="connsiteY0" fmla="*/ 130026 h 1300261"/>
+                <a:gd name="connsiteX1" fmla="*/ 130026 w 10515600"/>
+                <a:gd name="connsiteY1" fmla="*/ 0 h 1300261"/>
+                <a:gd name="connsiteX2" fmla="*/ 10385574 w 10515600"/>
+                <a:gd name="connsiteY2" fmla="*/ 0 h 1300261"/>
+                <a:gd name="connsiteX3" fmla="*/ 10515600 w 10515600"/>
+                <a:gd name="connsiteY3" fmla="*/ 130026 h 1300261"/>
+                <a:gd name="connsiteX4" fmla="*/ 10515600 w 10515600"/>
+                <a:gd name="connsiteY4" fmla="*/ 1170235 h 1300261"/>
+                <a:gd name="connsiteX5" fmla="*/ 10385574 w 10515600"/>
+                <a:gd name="connsiteY5" fmla="*/ 1300261 h 1300261"/>
+                <a:gd name="connsiteX6" fmla="*/ 130026 w 10515600"/>
+                <a:gd name="connsiteY6" fmla="*/ 1300261 h 1300261"/>
+                <a:gd name="connsiteX7" fmla="*/ 0 w 10515600"/>
+                <a:gd name="connsiteY7" fmla="*/ 1170235 h 1300261"/>
+                <a:gd name="connsiteX8" fmla="*/ 0 w 10515600"/>
+                <a:gd name="connsiteY8" fmla="*/ 130026 h 1300261"/>
+              </a:gdLst>
+              <a:ahLst/>
+              <a:cxnLst>
+                <a:cxn ang="0">
+                  <a:pos x="connsiteX0" y="connsiteY0"/>
+                </a:cxn>
+                <a:cxn ang="0">
+                  <a:pos x="connsiteX1" y="connsiteY1"/>
+                </a:cxn>
+                <a:cxn ang="0">
+                  <a:pos x="connsiteX2" y="connsiteY2"/>
+                </a:cxn>
+                <a:cxn ang="0">
+                  <a:pos x="connsiteX3" y="connsiteY3"/>
+                </a:cxn>
+                <a:cxn ang="0">
+                  <a:pos x="connsiteX4" y="connsiteY4"/>
+                </a:cxn>
+                <a:cxn ang="0">
+                  <a:pos x="connsiteX5" y="connsiteY5"/>
+                </a:cxn>
+                <a:cxn ang="0">
+                  <a:pos x="connsiteX6" y="connsiteY6"/>
+                </a:cxn>
+                <a:cxn ang="0">
+                  <a:pos x="connsiteX7" y="connsiteY7"/>
+                </a:cxn>
+                <a:cxn ang="0">
+                  <a:pos x="connsiteX8" y="connsiteY8"/>
+                </a:cxn>
+              </a:cxnLst>
+              <a:rect l="l" t="t" r="r" b="b"/>
+              <a:pathLst>
+                <a:path w="10515600" h="1300261">
+                  <a:moveTo>
+                    <a:pt x="0" y="130026"/>
+                  </a:moveTo>
+                  <a:cubicBezTo>
+                    <a:pt x="0" y="58215"/>
+                    <a:pt x="58215" y="0"/>
+                    <a:pt x="130026" y="0"/>
+                  </a:cubicBezTo>
+                  <a:lnTo>
+                    <a:pt x="10385574" y="0"/>
+                  </a:lnTo>
+                  <a:cubicBezTo>
+                    <a:pt x="10457385" y="0"/>
+                    <a:pt x="10515600" y="58215"/>
+                    <a:pt x="10515600" y="130026"/>
+                  </a:cubicBezTo>
+                  <a:lnTo>
+                    <a:pt x="10515600" y="1170235"/>
+                  </a:lnTo>
+                  <a:cubicBezTo>
+                    <a:pt x="10515600" y="1242046"/>
+                    <a:pt x="10457385" y="1300261"/>
+                    <a:pt x="10385574" y="1300261"/>
+                  </a:cubicBezTo>
+                  <a:lnTo>
+                    <a:pt x="130026" y="1300261"/>
+                  </a:lnTo>
+                  <a:cubicBezTo>
+                    <a:pt x="58215" y="1300261"/>
+                    <a:pt x="0" y="1242046"/>
+                    <a:pt x="0" y="1170235"/>
+                  </a:cubicBezTo>
+                  <a:lnTo>
+                    <a:pt x="0" y="130026"/>
+                  </a:lnTo>
+                  <a:close/>
+                </a:path>
+              </a:pathLst>
+            </a:custGeom>
+            <a:grpFill/>
+          </p:spPr>
+          <p:style>
+            <a:lnRef idx="2">
+              <a:schemeClr val="lt1">
+                <a:hueOff val="0"/>
+                <a:satOff val="0"/>
+                <a:lumOff val="0"/>
+                <a:alphaOff val="0"/>
+              </a:schemeClr>
+            </a:lnRef>
+            <a:fillRef idx="1">
+              <a:schemeClr val="accent1">
+                <a:hueOff val="0"/>
+                <a:satOff val="0"/>
+                <a:lumOff val="0"/>
+                <a:alphaOff val="0"/>
+              </a:schemeClr>
+            </a:fillRef>
+            <a:effectRef idx="0">
+              <a:schemeClr val="accent1">
+                <a:hueOff val="0"/>
+                <a:satOff val="0"/>
+                <a:lumOff val="0"/>
+                <a:alphaOff val="0"/>
+              </a:schemeClr>
+            </a:effectRef>
+            <a:fontRef idx="minor">
+              <a:schemeClr val="lt1"/>
+            </a:fontRef>
+          </p:style>
+          <p:txBody>
+            <a:bodyPr spcFirstLastPara="0" vert="horz" wrap="square" lIns="2301726" tIns="68580" rIns="68581" bIns="68580" numCol="1" spcCol="1270" anchor="t" anchorCtr="0">
+              <a:noAutofit/>
+            </a:bodyPr>
+            <a:lstStyle/>
+            <a:p>
+              <a:pPr lvl="0" algn="l" defTabSz="800100" latinLnBrk="1">
+                <a:lnSpc>
+                  <a:spcPct val="90000"/>
+                </a:lnSpc>
+                <a:spcBef>
+                  <a:spcPct val="0"/>
+                </a:spcBef>
+                <a:spcAft>
+                  <a:spcPct val="35000"/>
+                </a:spcAft>
+              </a:pPr>
+              <a:endParaRPr lang="ko-KR" altLang="en-US" sz="1800" kern="1200"/>
+            </a:p>
+            <a:p>
+              <a:pPr marL="114300" lvl="1" indent="-114300" algn="l" defTabSz="622300" latinLnBrk="1">
+                <a:lnSpc>
+                  <a:spcPct val="90000"/>
+                </a:lnSpc>
+                <a:spcBef>
+                  <a:spcPct val="0"/>
+                </a:spcBef>
+                <a:spcAft>
+                  <a:spcPct val="15000"/>
+                </a:spcAft>
+                <a:buChar char="••"/>
+              </a:pPr>
+              <a:endParaRPr lang="ko-KR" altLang="en-US" sz="1400" kern="1200"/>
+            </a:p>
+            <a:p>
+              <a:pPr marL="114300" lvl="1" indent="-114300" algn="l" defTabSz="622300" latinLnBrk="1">
+                <a:lnSpc>
+                  <a:spcPct val="90000"/>
+                </a:lnSpc>
+                <a:spcBef>
+                  <a:spcPct val="0"/>
+                </a:spcBef>
+                <a:spcAft>
+                  <a:spcPct val="15000"/>
+                </a:spcAft>
+                <a:buChar char="••"/>
+              </a:pPr>
+              <a:endParaRPr lang="ko-KR" altLang="en-US" sz="1400" kern="1200"/>
+            </a:p>
+          </p:txBody>
+        </p:sp>
+      </p:grpSp>
+      <p:sp>
+        <p:nvSpPr>
+          <p:cNvPr id="3" name="제목 2">
+            <a:extLst>
+              <a:ext uri="{FF2B5EF4-FFF2-40B4-BE49-F238E27FC236}">
+                <a16:creationId xmlns="" xmlns:a16="http://schemas.microsoft.com/office/drawing/2014/main" id="{21C19F7A-5B61-4C67-88A2-F3BD1D46C1A5}"/>
+              </a:ext>
+            </a:extLst>
+          </p:cNvPr>
+          <p:cNvSpPr>
+            <a:spLocks noGrp="1"/>
+          </p:cNvSpPr>
+          <p:nvPr>
+            <p:ph type="title"/>
+          </p:nvPr>
+        </p:nvSpPr>
+        <p:spPr>
+          <a:xfrm>
+            <a:off x="818103" y="83771"/>
+            <a:ext cx="10515600" cy="1325563"/>
+          </a:xfrm>
+        </p:spPr>
+        <p:txBody>
+          <a:bodyPr/>
+          <a:lstStyle/>
+          <a:p>
+            <a:r>
+              <a:rPr lang="en-US" altLang="ko-KR" dirty="0" smtClean="0"/>
+              <a:t>Application Plan</a:t>
+            </a:r>
+            <a:endParaRPr lang="ko-KR" altLang="en-US" b="0" dirty="0"/>
+          </a:p>
+        </p:txBody>
+      </p:sp>
+      <p:sp>
+        <p:nvSpPr>
+          <p:cNvPr id="30" name="타원 29"/>
+          <p:cNvSpPr/>
+          <p:nvPr/>
+        </p:nvSpPr>
+        <p:spPr>
+          <a:xfrm>
+            <a:off x="1311546" y="1328940"/>
+            <a:ext cx="1868413" cy="1392433"/>
+          </a:xfrm>
+          <a:prstGeom prst="ellipse">
+            <a:avLst/>
+          </a:prstGeom>
+          <a:solidFill>
+            <a:schemeClr val="tx2">
+              <a:lumMod val="10000"/>
+              <a:lumOff val="90000"/>
+            </a:schemeClr>
+          </a:solidFill>
+        </p:spPr>
+        <p:style>
+          <a:lnRef idx="2">
+            <a:schemeClr val="accent1">
+              <a:shade val="50000"/>
+            </a:schemeClr>
+          </a:lnRef>
+          <a:fillRef idx="1">
+            <a:schemeClr val="accent1"/>
+          </a:fillRef>
+          <a:effectRef idx="0">
+            <a:schemeClr val="accent1"/>
+          </a:effectRef>
+          <a:fontRef idx="minor">
+            <a:schemeClr val="lt1"/>
+          </a:fontRef>
+        </p:style>
+        <p:txBody>
+          <a:bodyPr rtlCol="0" anchor="ctr"/>
+          <a:lstStyle/>
+          <a:p>
+            <a:pPr algn="ctr"/>
+            <a:endParaRPr lang="ko-KR" altLang="en-US" dirty="0">
+              <a:solidFill>
+                <a:schemeClr val="tx2"/>
+              </a:solidFill>
+            </a:endParaRPr>
+          </a:p>
+        </p:txBody>
+      </p:sp>
+      <p:pic>
+        <p:nvPicPr>
+          <p:cNvPr id="1026" name="Picture 2" descr="D:\joohyung\google_drive_backup\joohyung\성대\3학년\1학기\소공개\팀프로젝트\location.png"/>
+          <p:cNvPicPr>
+            <a:picLocks noChangeAspect="1" noChangeArrowheads="1"/>
+          </p:cNvPicPr>
+          <p:nvPr/>
+        </p:nvPicPr>
+        <p:blipFill>
+          <a:blip r:embed="rId3" cstate="print">
+            <a:extLst>
+              <a:ext uri="{28A0092B-C50C-407E-A947-70E740481C1C}">
+                <a14:useLocalDpi xmlns:a14="http://schemas.microsoft.com/office/drawing/2010/main" val="0"/>
+              </a:ext>
+            </a:extLst>
+          </a:blip>
+          <a:srcRect/>
+          <a:stretch>
+            <a:fillRect/>
+          </a:stretch>
+        </p:blipFill>
+        <p:spPr bwMode="auto">
+          <a:xfrm>
+            <a:off x="1660156" y="1470375"/>
+            <a:ext cx="1171197" cy="668635"/>
+          </a:xfrm>
+          <a:prstGeom prst="rect">
+            <a:avLst/>
+          </a:prstGeom>
+          <a:noFill/>
+          <a:extLst>
+            <a:ext uri="{909E8E84-426E-40DD-AFC4-6F175D3DCCD1}">
+              <a14:hiddenFill xmlns:a14="http://schemas.microsoft.com/office/drawing/2010/main">
+                <a:solidFill>
+                  <a:srgbClr val="FFFFFF"/>
+                </a:solidFill>
+              </a14:hiddenFill>
+            </a:ext>
+          </a:extLst>
+        </p:spPr>
+      </p:pic>
+      <p:sp>
+        <p:nvSpPr>
+          <p:cNvPr id="31" name="TextBox 30"/>
+          <p:cNvSpPr txBox="1"/>
+          <p:nvPr/>
+        </p:nvSpPr>
+        <p:spPr>
+          <a:xfrm>
+            <a:off x="1395341" y="2139011"/>
+            <a:ext cx="1700825" cy="400110"/>
+          </a:xfrm>
+          <a:prstGeom prst="rect">
+            <a:avLst/>
+          </a:prstGeom>
+          <a:noFill/>
+        </p:spPr>
+        <p:txBody>
+          <a:bodyPr wrap="square" rtlCol="0">
+            <a:spAutoFit/>
+          </a:bodyPr>
+          <a:lstStyle/>
+          <a:p>
+            <a:pPr algn="ctr"/>
+            <a:r>
+              <a:rPr lang="en-US" altLang="ko-KR" sz="2000" b="1" dirty="0" smtClean="0"/>
+              <a:t>Find A Way</a:t>
+            </a:r>
+            <a:endParaRPr lang="ko-KR" altLang="en-US" sz="2000" b="1" dirty="0"/>
+          </a:p>
+        </p:txBody>
+      </p:sp>
+      <p:sp>
+        <p:nvSpPr>
+          <p:cNvPr id="32" name="TextBox 31"/>
+          <p:cNvSpPr txBox="1"/>
+          <p:nvPr/>
+        </p:nvSpPr>
+        <p:spPr>
+          <a:xfrm>
+            <a:off x="3205425" y="1424738"/>
+            <a:ext cx="5878284" cy="1544012"/>
+          </a:xfrm>
+          <a:prstGeom prst="rect">
+            <a:avLst/>
+          </a:prstGeom>
+          <a:noFill/>
+        </p:spPr>
+        <p:txBody>
+          <a:bodyPr wrap="square" rtlCol="0">
+            <a:spAutoFit/>
+          </a:bodyPr>
+          <a:lstStyle/>
+          <a:p>
+            <a:pPr marL="285750" indent="-285750">
+              <a:buFont typeface="Arial" panose="020B0604020202020204" pitchFamily="34" charset="0"/>
+              <a:buChar char="•"/>
+            </a:pPr>
+            <a:r>
+              <a:rPr lang="en-US" altLang="ko-KR" sz="1700" dirty="0" smtClean="0"/>
+              <a:t>Can be extended to find a way between any two locations in Korea</a:t>
+            </a:r>
+          </a:p>
+          <a:p>
+            <a:pPr>
+              <a:lnSpc>
+                <a:spcPts val="1000"/>
+              </a:lnSpc>
+            </a:pPr>
+            <a:endParaRPr lang="en-US" altLang="ko-KR" sz="1700" dirty="0" smtClean="0"/>
+          </a:p>
+          <a:p>
+            <a:pPr marL="285750" indent="-285750">
+              <a:buFont typeface="Arial" panose="020B0604020202020204" pitchFamily="34" charset="0"/>
+              <a:buChar char="•"/>
+            </a:pPr>
+            <a:r>
+              <a:rPr lang="en-US" altLang="ko-KR" sz="1700" dirty="0" smtClean="0"/>
+              <a:t>Seoul to Busan, 1</a:t>
+            </a:r>
+            <a:r>
+              <a:rPr lang="en-US" altLang="ko-KR" sz="1700" baseline="30000" dirty="0" smtClean="0"/>
+              <a:t>st</a:t>
+            </a:r>
+            <a:r>
+              <a:rPr lang="en-US" altLang="ko-KR" sz="1700" dirty="0" smtClean="0"/>
+              <a:t> floor to 3</a:t>
+            </a:r>
+            <a:r>
+              <a:rPr lang="en-US" altLang="ko-KR" sz="1700" baseline="30000" dirty="0" smtClean="0"/>
+              <a:t>rd</a:t>
+            </a:r>
+            <a:r>
+              <a:rPr lang="en-US" altLang="ko-KR" sz="1700" dirty="0" smtClean="0"/>
+              <a:t> floor in same building.. Any two places!</a:t>
+            </a:r>
+          </a:p>
+          <a:p>
+            <a:pPr marL="285750" indent="-285750">
+              <a:buFont typeface="Arial" panose="020B0604020202020204" pitchFamily="34" charset="0"/>
+              <a:buChar char="•"/>
+            </a:pPr>
+            <a:endParaRPr lang="ko-KR" altLang="en-US" dirty="0"/>
+          </a:p>
+        </p:txBody>
+      </p:sp>
+      <p:sp>
+        <p:nvSpPr>
+          <p:cNvPr id="35" name="타원 34"/>
+          <p:cNvSpPr/>
+          <p:nvPr/>
+        </p:nvSpPr>
+        <p:spPr>
+          <a:xfrm>
+            <a:off x="1311546" y="2779107"/>
+            <a:ext cx="1868413" cy="1154693"/>
+          </a:xfrm>
+          <a:prstGeom prst="ellipse">
+            <a:avLst/>
+          </a:prstGeom>
+          <a:solidFill>
+            <a:schemeClr val="tx2">
+              <a:lumMod val="10000"/>
+              <a:lumOff val="90000"/>
+            </a:schemeClr>
+          </a:solidFill>
+        </p:spPr>
+        <p:style>
+          <a:lnRef idx="2">
+            <a:schemeClr val="accent1">
+              <a:shade val="50000"/>
+            </a:schemeClr>
+          </a:lnRef>
+          <a:fillRef idx="1">
+            <a:schemeClr val="accent1"/>
+          </a:fillRef>
+          <a:effectRef idx="0">
+            <a:schemeClr val="accent1"/>
+          </a:effectRef>
+          <a:fontRef idx="minor">
+            <a:schemeClr val="lt1"/>
+          </a:fontRef>
+        </p:style>
+        <p:txBody>
+          <a:bodyPr rtlCol="0" anchor="ctr"/>
+          <a:lstStyle/>
+          <a:p>
+            <a:pPr algn="ctr"/>
+            <a:endParaRPr lang="ko-KR" altLang="en-US" dirty="0">
+              <a:solidFill>
+                <a:schemeClr val="tx2"/>
+              </a:solidFill>
+            </a:endParaRPr>
+          </a:p>
+        </p:txBody>
+      </p:sp>
+      <p:sp>
+        <p:nvSpPr>
+          <p:cNvPr id="37" name="TextBox 36"/>
+          <p:cNvSpPr txBox="1"/>
+          <p:nvPr/>
+        </p:nvSpPr>
+        <p:spPr>
+          <a:xfrm>
+            <a:off x="1552424" y="3533690"/>
+            <a:ext cx="1386660" cy="400110"/>
+          </a:xfrm>
+          <a:prstGeom prst="rect">
+            <a:avLst/>
+          </a:prstGeom>
+          <a:noFill/>
+        </p:spPr>
+        <p:txBody>
+          <a:bodyPr wrap="square" rtlCol="0">
+            <a:spAutoFit/>
+          </a:bodyPr>
+          <a:lstStyle/>
+          <a:p>
+            <a:pPr algn="ctr"/>
+            <a:r>
+              <a:rPr lang="en-US" altLang="ko-KR" sz="2000" b="1" dirty="0" smtClean="0"/>
+              <a:t>Rescue</a:t>
+            </a:r>
+            <a:endParaRPr lang="ko-KR" altLang="en-US" sz="2000" b="1" dirty="0"/>
+          </a:p>
+        </p:txBody>
+      </p:sp>
+      <p:pic>
+        <p:nvPicPr>
+          <p:cNvPr id="1027" name="Picture 3" descr="D:\joohyung\google_drive_backup\joohyung\성대\3학년\1학기\소공개\팀프로젝트\rescue.png"/>
+          <p:cNvPicPr>
+            <a:picLocks noChangeAspect="1" noChangeArrowheads="1"/>
+          </p:cNvPicPr>
+          <p:nvPr/>
+        </p:nvPicPr>
+        <p:blipFill>
+          <a:blip r:embed="rId4" cstate="print">
+            <a:extLst>
+              <a:ext uri="{28A0092B-C50C-407E-A947-70E740481C1C}">
+                <a14:useLocalDpi xmlns:a14="http://schemas.microsoft.com/office/drawing/2010/main" val="0"/>
+              </a:ext>
+            </a:extLst>
+          </a:blip>
+          <a:srcRect/>
+          <a:stretch>
+            <a:fillRect/>
+          </a:stretch>
+        </p:blipFill>
+        <p:spPr bwMode="auto">
+          <a:xfrm>
+            <a:off x="1660157" y="2882558"/>
+            <a:ext cx="1223874" cy="651132"/>
+          </a:xfrm>
+          <a:prstGeom prst="rect">
+            <a:avLst/>
+          </a:prstGeom>
+          <a:noFill/>
+          <a:extLst>
+            <a:ext uri="{909E8E84-426E-40DD-AFC4-6F175D3DCCD1}">
+              <a14:hiddenFill xmlns:a14="http://schemas.microsoft.com/office/drawing/2010/main">
+                <a:solidFill>
+                  <a:srgbClr val="FFFFFF"/>
+                </a:solidFill>
+              </a14:hiddenFill>
+            </a:ext>
+          </a:extLst>
+        </p:spPr>
+      </p:pic>
+      <p:sp>
+        <p:nvSpPr>
+          <p:cNvPr id="39" name="TextBox 38"/>
+          <p:cNvSpPr txBox="1"/>
+          <p:nvPr/>
+        </p:nvSpPr>
+        <p:spPr>
+          <a:xfrm>
+            <a:off x="3219033" y="2808114"/>
+            <a:ext cx="4898992" cy="1267014"/>
+          </a:xfrm>
+          <a:prstGeom prst="rect">
+            <a:avLst/>
+          </a:prstGeom>
+          <a:noFill/>
+        </p:spPr>
+        <p:txBody>
+          <a:bodyPr wrap="square" rtlCol="0">
+            <a:spAutoFit/>
+          </a:bodyPr>
+          <a:lstStyle/>
+          <a:p>
+            <a:pPr marL="285750" indent="-285750">
+              <a:buFont typeface="Arial" panose="020B0604020202020204" pitchFamily="34" charset="0"/>
+              <a:buChar char="•"/>
+            </a:pPr>
+            <a:r>
+              <a:rPr lang="en-US" altLang="ko-KR" sz="1700" dirty="0" smtClean="0"/>
+              <a:t>You can get quick help from police officers and firefighters</a:t>
+            </a:r>
+          </a:p>
+          <a:p>
+            <a:pPr>
+              <a:lnSpc>
+                <a:spcPts val="1000"/>
+              </a:lnSpc>
+            </a:pPr>
+            <a:endParaRPr lang="en-US" altLang="ko-KR" sz="1700" dirty="0" smtClean="0"/>
+          </a:p>
+          <a:p>
+            <a:pPr marL="285750" indent="-285750">
+              <a:buFont typeface="Arial" panose="020B0604020202020204" pitchFamily="34" charset="0"/>
+              <a:buChar char="•"/>
+            </a:pPr>
+            <a:r>
+              <a:rPr lang="en-US" altLang="ko-KR" sz="1700" dirty="0" smtClean="0"/>
+              <a:t>Location and path accuracy save our life!</a:t>
+            </a:r>
+          </a:p>
+          <a:p>
+            <a:pPr marL="285750" indent="-285750">
+              <a:buFont typeface="Arial" panose="020B0604020202020204" pitchFamily="34" charset="0"/>
+              <a:buChar char="•"/>
+            </a:pPr>
+            <a:endParaRPr lang="ko-KR" altLang="en-US" sz="1700" dirty="0"/>
+          </a:p>
+        </p:txBody>
+      </p:sp>
+      <p:sp>
+        <p:nvSpPr>
+          <p:cNvPr id="40" name="TextBox 39"/>
+          <p:cNvSpPr txBox="1"/>
+          <p:nvPr/>
+        </p:nvSpPr>
+        <p:spPr>
+          <a:xfrm>
+            <a:off x="3219033" y="4236373"/>
+            <a:ext cx="4898992" cy="1005403"/>
+          </a:xfrm>
+          <a:prstGeom prst="rect">
+            <a:avLst/>
+          </a:prstGeom>
+          <a:noFill/>
+        </p:spPr>
+        <p:txBody>
+          <a:bodyPr wrap="square" rtlCol="0">
+            <a:spAutoFit/>
+          </a:bodyPr>
+          <a:lstStyle/>
+          <a:p>
+            <a:pPr marL="285750" indent="-285750">
+              <a:buFont typeface="Arial" panose="020B0604020202020204" pitchFamily="34" charset="0"/>
+              <a:buChar char="•"/>
+            </a:pPr>
+            <a:r>
+              <a:rPr lang="en-US" altLang="ko-KR" sz="1700" dirty="0" smtClean="0"/>
+              <a:t>Can be extended to find people around us </a:t>
+            </a:r>
+          </a:p>
+          <a:p>
+            <a:pPr>
+              <a:lnSpc>
+                <a:spcPts val="1000"/>
+              </a:lnSpc>
+            </a:pPr>
+            <a:endParaRPr lang="en-US" altLang="ko-KR" sz="1700" dirty="0" smtClean="0"/>
+          </a:p>
+          <a:p>
+            <a:pPr marL="285750" indent="-285750">
+              <a:buFont typeface="Arial" panose="020B0604020202020204" pitchFamily="34" charset="0"/>
+              <a:buChar char="•"/>
+            </a:pPr>
+            <a:r>
+              <a:rPr lang="en-US" altLang="ko-KR" sz="1700" dirty="0" smtClean="0"/>
+              <a:t>Get to know each other!</a:t>
+            </a:r>
+          </a:p>
+          <a:p>
+            <a:pPr marL="285750" indent="-285750">
+              <a:buFont typeface="Arial" panose="020B0604020202020204" pitchFamily="34" charset="0"/>
+              <a:buChar char="•"/>
+            </a:pPr>
+            <a:endParaRPr lang="ko-KR" altLang="en-US" sz="1700" dirty="0"/>
+          </a:p>
+        </p:txBody>
+      </p:sp>
+      <p:sp>
+        <p:nvSpPr>
+          <p:cNvPr id="41" name="타원 40"/>
+          <p:cNvSpPr/>
+          <p:nvPr/>
+        </p:nvSpPr>
+        <p:spPr>
+          <a:xfrm>
+            <a:off x="1325154" y="4029680"/>
+            <a:ext cx="1893879" cy="1193870"/>
+          </a:xfrm>
+          <a:prstGeom prst="ellipse">
+            <a:avLst/>
+          </a:prstGeom>
+          <a:solidFill>
+            <a:schemeClr val="tx2">
+              <a:lumMod val="10000"/>
+              <a:lumOff val="90000"/>
+            </a:schemeClr>
+          </a:solidFill>
+        </p:spPr>
+        <p:style>
+          <a:lnRef idx="2">
+            <a:schemeClr val="accent1">
+              <a:shade val="50000"/>
+            </a:schemeClr>
+          </a:lnRef>
+          <a:fillRef idx="1">
+            <a:schemeClr val="accent1"/>
+          </a:fillRef>
+          <a:effectRef idx="0">
+            <a:schemeClr val="accent1"/>
+          </a:effectRef>
+          <a:fontRef idx="minor">
+            <a:schemeClr val="lt1"/>
+          </a:fontRef>
+        </p:style>
+        <p:txBody>
+          <a:bodyPr rtlCol="0" anchor="ctr"/>
+          <a:lstStyle/>
+          <a:p>
+            <a:pPr algn="ctr"/>
+            <a:endParaRPr lang="ko-KR" altLang="en-US" dirty="0">
+              <a:solidFill>
+                <a:schemeClr val="tx2"/>
+              </a:solidFill>
+            </a:endParaRPr>
+          </a:p>
+        </p:txBody>
+      </p:sp>
+      <p:sp>
+        <p:nvSpPr>
+          <p:cNvPr id="42" name="TextBox 41"/>
+          <p:cNvSpPr txBox="1"/>
+          <p:nvPr/>
+        </p:nvSpPr>
+        <p:spPr>
+          <a:xfrm>
+            <a:off x="1434487" y="4690569"/>
+            <a:ext cx="1606111" cy="400110"/>
+          </a:xfrm>
+          <a:prstGeom prst="rect">
+            <a:avLst/>
+          </a:prstGeom>
+          <a:noFill/>
+        </p:spPr>
+        <p:txBody>
+          <a:bodyPr wrap="square" rtlCol="0">
+            <a:spAutoFit/>
+          </a:bodyPr>
+          <a:lstStyle/>
+          <a:p>
+            <a:pPr algn="ctr"/>
+            <a:r>
+              <a:rPr lang="en-US" altLang="ko-KR" sz="2000" b="1" dirty="0" smtClean="0"/>
+              <a:t>Find People</a:t>
+            </a:r>
+            <a:endParaRPr lang="ko-KR" altLang="en-US" sz="2000" b="1" dirty="0"/>
+          </a:p>
+        </p:txBody>
+      </p:sp>
+      <p:pic>
+        <p:nvPicPr>
+          <p:cNvPr id="1028" name="Picture 4" descr="D:\joohyung\google_drive_backup\joohyung\성대\3학년\1학기\소공개\팀프로젝트\people.png"/>
+          <p:cNvPicPr>
+            <a:picLocks noChangeAspect="1" noChangeArrowheads="1"/>
+          </p:cNvPicPr>
+          <p:nvPr/>
+        </p:nvPicPr>
+        <p:blipFill>
+          <a:blip r:embed="rId5">
+            <a:extLst>
+              <a:ext uri="{28A0092B-C50C-407E-A947-70E740481C1C}">
+                <a14:useLocalDpi xmlns:a14="http://schemas.microsoft.com/office/drawing/2010/main" val="0"/>
+              </a:ext>
+            </a:extLst>
+          </a:blip>
+          <a:srcRect/>
+          <a:stretch>
+            <a:fillRect/>
+          </a:stretch>
+        </p:blipFill>
+        <p:spPr bwMode="auto">
+          <a:xfrm>
+            <a:off x="1643734" y="4294090"/>
+            <a:ext cx="1187619" cy="346661"/>
+          </a:xfrm>
+          <a:prstGeom prst="rect">
+            <a:avLst/>
+          </a:prstGeom>
+          <a:noFill/>
+          <a:extLst>
+            <a:ext uri="{909E8E84-426E-40DD-AFC4-6F175D3DCCD1}">
+              <a14:hiddenFill xmlns:a14="http://schemas.microsoft.com/office/drawing/2010/main">
+                <a:solidFill>
+                  <a:srgbClr val="FFFFFF"/>
+                </a:solidFill>
+              </a14:hiddenFill>
+            </a:ext>
+          </a:extLst>
+        </p:spPr>
+      </p:pic>
+      <p:sp>
+        <p:nvSpPr>
+          <p:cNvPr id="19" name="자유형 18"/>
+          <p:cNvSpPr/>
+          <p:nvPr/>
+        </p:nvSpPr>
+        <p:spPr>
+          <a:xfrm>
+            <a:off x="2532184" y="5308389"/>
+            <a:ext cx="7083250" cy="1154693"/>
+          </a:xfrm>
+          <a:custGeom>
+            <a:avLst/>
+            <a:gdLst>
+              <a:gd name="connsiteX0" fmla="*/ 0 w 10515600"/>
+              <a:gd name="connsiteY0" fmla="*/ 130026 h 1300261"/>
+              <a:gd name="connsiteX1" fmla="*/ 130026 w 10515600"/>
+              <a:gd name="connsiteY1" fmla="*/ 0 h 1300261"/>
+              <a:gd name="connsiteX2" fmla="*/ 10385574 w 10515600"/>
+              <a:gd name="connsiteY2" fmla="*/ 0 h 1300261"/>
+              <a:gd name="connsiteX3" fmla="*/ 10515600 w 10515600"/>
+              <a:gd name="connsiteY3" fmla="*/ 130026 h 1300261"/>
+              <a:gd name="connsiteX4" fmla="*/ 10515600 w 10515600"/>
+              <a:gd name="connsiteY4" fmla="*/ 1170235 h 1300261"/>
+              <a:gd name="connsiteX5" fmla="*/ 10385574 w 10515600"/>
+              <a:gd name="connsiteY5" fmla="*/ 1300261 h 1300261"/>
+              <a:gd name="connsiteX6" fmla="*/ 130026 w 10515600"/>
+              <a:gd name="connsiteY6" fmla="*/ 1300261 h 1300261"/>
+              <a:gd name="connsiteX7" fmla="*/ 0 w 10515600"/>
+              <a:gd name="connsiteY7" fmla="*/ 1170235 h 1300261"/>
+              <a:gd name="connsiteX8" fmla="*/ 0 w 10515600"/>
+              <a:gd name="connsiteY8" fmla="*/ 130026 h 1300261"/>
+            </a:gdLst>
+            <a:ahLst/>
+            <a:cxnLst>
+              <a:cxn ang="0">
+                <a:pos x="connsiteX0" y="connsiteY0"/>
+              </a:cxn>
+              <a:cxn ang="0">
+                <a:pos x="connsiteX1" y="connsiteY1"/>
+              </a:cxn>
+              <a:cxn ang="0">
+                <a:pos x="connsiteX2" y="connsiteY2"/>
+              </a:cxn>
+              <a:cxn ang="0">
+                <a:pos x="connsiteX3" y="connsiteY3"/>
+              </a:cxn>
+              <a:cxn ang="0">
+                <a:pos x="connsiteX4" y="connsiteY4"/>
+              </a:cxn>
+              <a:cxn ang="0">
+                <a:pos x="connsiteX5" y="connsiteY5"/>
+              </a:cxn>
+              <a:cxn ang="0">
+                <a:pos x="connsiteX6" y="connsiteY6"/>
+              </a:cxn>
+              <a:cxn ang="0">
+                <a:pos x="connsiteX7" y="connsiteY7"/>
+              </a:cxn>
+              <a:cxn ang="0">
+                <a:pos x="connsiteX8" y="connsiteY8"/>
+              </a:cxn>
+            </a:cxnLst>
+            <a:rect l="l" t="t" r="r" b="b"/>
+            <a:pathLst>
+              <a:path w="10515600" h="1300261">
+                <a:moveTo>
+                  <a:pt x="0" y="130026"/>
+                </a:moveTo>
+                <a:cubicBezTo>
+                  <a:pt x="0" y="58215"/>
+                  <a:pt x="58215" y="0"/>
+                  <a:pt x="130026" y="0"/>
+                </a:cubicBezTo>
+                <a:lnTo>
+                  <a:pt x="10385574" y="0"/>
+                </a:lnTo>
+                <a:cubicBezTo>
+                  <a:pt x="10457385" y="0"/>
+                  <a:pt x="10515600" y="58215"/>
+                  <a:pt x="10515600" y="130026"/>
+                </a:cubicBezTo>
+                <a:lnTo>
+                  <a:pt x="10515600" y="1170235"/>
+                </a:lnTo>
+                <a:cubicBezTo>
+                  <a:pt x="10515600" y="1242046"/>
+                  <a:pt x="10457385" y="1300261"/>
+                  <a:pt x="10385574" y="1300261"/>
+                </a:cubicBezTo>
+                <a:lnTo>
+                  <a:pt x="130026" y="1300261"/>
+                </a:lnTo>
+                <a:cubicBezTo>
+                  <a:pt x="58215" y="1300261"/>
+                  <a:pt x="0" y="1242046"/>
+                  <a:pt x="0" y="1170235"/>
+                </a:cubicBezTo>
+                <a:lnTo>
+                  <a:pt x="0" y="130026"/>
+                </a:lnTo>
+                <a:close/>
+              </a:path>
+            </a:pathLst>
+          </a:custGeom>
+          <a:solidFill>
+            <a:schemeClr val="accent1">
+              <a:lumMod val="40000"/>
+              <a:lumOff val="60000"/>
+            </a:schemeClr>
+          </a:solidFill>
+        </p:spPr>
+        <p:style>
+          <a:lnRef idx="2">
+            <a:schemeClr val="lt1">
+              <a:hueOff val="0"/>
+              <a:satOff val="0"/>
+              <a:lumOff val="0"/>
+              <a:alphaOff val="0"/>
+            </a:schemeClr>
+          </a:lnRef>
+          <a:fillRef idx="1">
+            <a:schemeClr val="accent1">
+              <a:hueOff val="0"/>
+              <a:satOff val="0"/>
+              <a:lumOff val="0"/>
+              <a:alphaOff val="0"/>
+            </a:schemeClr>
+          </a:fillRef>
+          <a:effectRef idx="0">
+            <a:schemeClr val="accent1">
+              <a:hueOff val="0"/>
+              <a:satOff val="0"/>
+              <a:lumOff val="0"/>
+              <a:alphaOff val="0"/>
+            </a:schemeClr>
+          </a:effectRef>
+          <a:fontRef idx="minor">
+            <a:schemeClr val="lt1"/>
+          </a:fontRef>
+        </p:style>
+        <p:txBody>
+          <a:bodyPr spcFirstLastPara="0" vert="horz" wrap="square" lIns="2301726" tIns="68580" rIns="68581" bIns="68580" numCol="1" spcCol="1270" anchor="t" anchorCtr="0">
+            <a:noAutofit/>
+          </a:bodyPr>
+          <a:lstStyle/>
+          <a:p>
+            <a:pPr lvl="0" algn="l" defTabSz="800100" latinLnBrk="1">
+              <a:lnSpc>
+                <a:spcPct val="90000"/>
+              </a:lnSpc>
+              <a:spcBef>
+                <a:spcPct val="0"/>
+              </a:spcBef>
+              <a:spcAft>
+                <a:spcPct val="35000"/>
+              </a:spcAft>
+            </a:pPr>
+            <a:endParaRPr lang="ko-KR" altLang="en-US" sz="1800" kern="1200"/>
+          </a:p>
+          <a:p>
+            <a:pPr marL="114300" lvl="1" indent="-114300" algn="l" defTabSz="622300" latinLnBrk="1">
+              <a:lnSpc>
+                <a:spcPct val="90000"/>
+              </a:lnSpc>
+              <a:spcBef>
+                <a:spcPct val="0"/>
+              </a:spcBef>
+              <a:spcAft>
+                <a:spcPct val="15000"/>
+              </a:spcAft>
+              <a:buChar char="••"/>
+            </a:pPr>
+            <a:endParaRPr lang="ko-KR" altLang="en-US" sz="1400" kern="1200"/>
+          </a:p>
+          <a:p>
+            <a:pPr marL="114300" lvl="1" indent="-114300" algn="l" defTabSz="622300" latinLnBrk="1">
+              <a:lnSpc>
+                <a:spcPct val="90000"/>
+              </a:lnSpc>
+              <a:spcBef>
+                <a:spcPct val="0"/>
+              </a:spcBef>
+              <a:spcAft>
+                <a:spcPct val="15000"/>
+              </a:spcAft>
+              <a:buChar char="••"/>
+            </a:pPr>
+            <a:endParaRPr lang="ko-KR" altLang="en-US" sz="1400" kern="1200"/>
+          </a:p>
+        </p:txBody>
+      </p:sp>
+      <p:sp>
+        <p:nvSpPr>
+          <p:cNvPr id="20" name="타원 19"/>
+          <p:cNvSpPr/>
+          <p:nvPr/>
+        </p:nvSpPr>
+        <p:spPr>
+          <a:xfrm>
+            <a:off x="1350620" y="5287504"/>
+            <a:ext cx="1868413" cy="1253973"/>
+          </a:xfrm>
+          <a:prstGeom prst="ellipse">
+            <a:avLst/>
+          </a:prstGeom>
+          <a:solidFill>
+            <a:schemeClr val="tx2">
+              <a:lumMod val="10000"/>
+              <a:lumOff val="90000"/>
+            </a:schemeClr>
+          </a:solidFill>
+        </p:spPr>
+        <p:style>
+          <a:lnRef idx="2">
+            <a:schemeClr val="accent1">
+              <a:shade val="50000"/>
+            </a:schemeClr>
+          </a:lnRef>
+          <a:fillRef idx="1">
+            <a:schemeClr val="accent1"/>
+          </a:fillRef>
+          <a:effectRef idx="0">
+            <a:schemeClr val="accent1"/>
+          </a:effectRef>
+          <a:fontRef idx="minor">
+            <a:schemeClr val="lt1"/>
+          </a:fontRef>
+        </p:style>
+        <p:txBody>
+          <a:bodyPr rtlCol="0" anchor="ctr"/>
+          <a:lstStyle/>
+          <a:p>
+            <a:pPr algn="ctr"/>
+            <a:endParaRPr lang="ko-KR" altLang="en-US" dirty="0">
+              <a:solidFill>
+                <a:schemeClr val="tx2"/>
+              </a:solidFill>
+            </a:endParaRPr>
+          </a:p>
+        </p:txBody>
+      </p:sp>
+      <p:sp>
+        <p:nvSpPr>
+          <p:cNvPr id="21" name="TextBox 20"/>
+          <p:cNvSpPr txBox="1"/>
+          <p:nvPr/>
+        </p:nvSpPr>
+        <p:spPr>
+          <a:xfrm>
+            <a:off x="1395341" y="5998866"/>
+            <a:ext cx="1784618" cy="400110"/>
+          </a:xfrm>
+          <a:prstGeom prst="rect">
+            <a:avLst/>
+          </a:prstGeom>
+          <a:noFill/>
+        </p:spPr>
+        <p:txBody>
+          <a:bodyPr wrap="square" rtlCol="0">
+            <a:spAutoFit/>
+          </a:bodyPr>
+          <a:lstStyle/>
+          <a:p>
+            <a:pPr algn="ctr"/>
+            <a:r>
+              <a:rPr lang="en-US" altLang="ko-KR" sz="2000" b="1" dirty="0" smtClean="0"/>
+              <a:t>Campus Tour</a:t>
+            </a:r>
+            <a:endParaRPr lang="ko-KR" altLang="en-US" sz="2000" b="1" dirty="0"/>
+          </a:p>
+        </p:txBody>
+      </p:sp>
+      <p:pic>
+        <p:nvPicPr>
+          <p:cNvPr id="2" name="Picture 2" descr="D:\joohyung\google_drive_backup\joohyung\성대\3학년\1학기\소공개\팀프로젝트\제안서\campus_tour.jpg"/>
+          <p:cNvPicPr>
+            <a:picLocks noChangeAspect="1" noChangeArrowheads="1"/>
+          </p:cNvPicPr>
+          <p:nvPr/>
+        </p:nvPicPr>
+        <p:blipFill>
+          <a:blip r:embed="rId6" cstate="print">
+            <a:extLst>
+              <a:ext uri="{28A0092B-C50C-407E-A947-70E740481C1C}">
+                <a14:useLocalDpi xmlns:a14="http://schemas.microsoft.com/office/drawing/2010/main" val="0"/>
+              </a:ext>
+            </a:extLst>
+          </a:blip>
+          <a:srcRect/>
+          <a:stretch>
+            <a:fillRect/>
+          </a:stretch>
+        </p:blipFill>
+        <p:spPr bwMode="auto">
+          <a:xfrm>
+            <a:off x="1715210" y="5432682"/>
+            <a:ext cx="1168821" cy="566184"/>
+          </a:xfrm>
+          <a:prstGeom prst="rect">
+            <a:avLst/>
+          </a:prstGeom>
+          <a:noFill/>
+          <a:extLst>
+            <a:ext uri="{909E8E84-426E-40DD-AFC4-6F175D3DCCD1}">
+              <a14:hiddenFill xmlns:a14="http://schemas.microsoft.com/office/drawing/2010/main">
+                <a:solidFill>
+                  <a:srgbClr val="FFFFFF"/>
+                </a:solidFill>
+              </a14:hiddenFill>
+            </a:ext>
+          </a:extLst>
+        </p:spPr>
+      </p:pic>
+      <p:sp>
+        <p:nvSpPr>
+          <p:cNvPr id="25" name="TextBox 24"/>
+          <p:cNvSpPr txBox="1"/>
+          <p:nvPr/>
+        </p:nvSpPr>
+        <p:spPr>
+          <a:xfrm>
+            <a:off x="3249253" y="5411788"/>
+            <a:ext cx="6186149" cy="1261884"/>
+          </a:xfrm>
+          <a:prstGeom prst="rect">
+            <a:avLst/>
+          </a:prstGeom>
+          <a:noFill/>
+        </p:spPr>
+        <p:txBody>
+          <a:bodyPr wrap="square" rtlCol="0">
+            <a:spAutoFit/>
+          </a:bodyPr>
+          <a:lstStyle/>
+          <a:p>
+            <a:pPr marL="285750" indent="-285750">
+              <a:buFont typeface="Arial" panose="020B0604020202020204" pitchFamily="34" charset="0"/>
+              <a:buChar char="•"/>
+            </a:pPr>
+            <a:r>
+              <a:rPr lang="en-US" altLang="ko-KR" sz="1700" dirty="0" smtClean="0"/>
+              <a:t>Any middle or high school students interested in university </a:t>
+            </a:r>
+            <a:r>
+              <a:rPr lang="en-US" altLang="ko-KR" sz="1700" dirty="0"/>
+              <a:t>can </a:t>
+            </a:r>
+            <a:r>
+              <a:rPr lang="en-US" altLang="ko-KR" sz="1700" dirty="0" smtClean="0"/>
+              <a:t>have campus tour on their smartphone</a:t>
+            </a:r>
+          </a:p>
+          <a:p>
+            <a:pPr marL="285750" indent="-285750">
+              <a:lnSpc>
+                <a:spcPts val="1500"/>
+              </a:lnSpc>
+              <a:buFont typeface="Arial" panose="020B0604020202020204" pitchFamily="34" charset="0"/>
+              <a:buChar char="•"/>
+            </a:pPr>
+            <a:endParaRPr lang="en-US" altLang="ko-KR" sz="1700" dirty="0" smtClean="0"/>
+          </a:p>
+          <a:p>
+            <a:pPr marL="285750" indent="-285750">
+              <a:lnSpc>
+                <a:spcPts val="1500"/>
+              </a:lnSpc>
+              <a:buFont typeface="Arial" panose="020B0604020202020204" pitchFamily="34" charset="0"/>
+              <a:buChar char="•"/>
+            </a:pPr>
+            <a:r>
+              <a:rPr lang="en-US" altLang="ko-KR" sz="1700" dirty="0" smtClean="0"/>
+              <a:t>Also useful for those who don’t or rarely go to campus</a:t>
+            </a:r>
+          </a:p>
+          <a:p>
+            <a:pPr marL="285750" indent="-285750">
+              <a:buFont typeface="Arial" panose="020B0604020202020204" pitchFamily="34" charset="0"/>
+              <a:buChar char="•"/>
+            </a:pPr>
+            <a:endParaRPr lang="ko-KR" altLang="en-US" sz="1700" dirty="0"/>
+          </a:p>
+        </p:txBody>
+      </p:sp>
+    </p:spTree>
+    <p:extLst>
+      <p:ext uri="{BB962C8B-B14F-4D97-AF65-F5344CB8AC3E}">
+        <p14:creationId xmlns:p14="http://schemas.microsoft.com/office/powerpoint/2010/main" val="1552797185"/>
+      </p:ext>
+    </p:extLst>
+  </p:cSld>
+  <p:clrMapOvr>
+    <a:masterClrMapping/>
+  </p:clrMapOvr>
+  <p:timing>
+    <p:tnLst>
+      <p:par>
+        <p:cTn id="1" dur="indefinite" restart="never" nodeType="tmRoot"/>
+      </p:par>
+    </p:tnLst>
+  </p:timing>
+</p:sld>
+</file>
+
+<file path=ppt/slides/slide3.xml><?xml version="1.0" encoding="utf-8"?>
+<p:sld xmlns:a="http://schemas.openxmlformats.org/drawingml/2006/main" xmlns:r="http://schemas.openxmlformats.org/officeDocument/2006/relationships" xmlns:p="http://schemas.openxmlformats.org/presentationml/2006/main">
+  <p:cSld>
+    <p:spTree>
+      <p:nvGrpSpPr>
+        <p:cNvPr id="1" name=""/>
+        <p:cNvGrpSpPr/>
+        <p:nvPr/>
+      </p:nvGrpSpPr>
+      <p:grpSpPr>
+        <a:xfrm>
+          <a:off x="0" y="0"/>
+          <a:ext cx="0" cy="0"/>
+          <a:chOff x="0" y="0"/>
+          <a:chExt cx="0" cy="0"/>
+        </a:xfrm>
+      </p:grpSpPr>
+      <p:sp>
+        <p:nvSpPr>
+          <p:cNvPr id="27" name="자유형 26"/>
+          <p:cNvSpPr/>
+          <p:nvPr/>
+        </p:nvSpPr>
+        <p:spPr>
+          <a:xfrm>
+            <a:off x="2532184" y="5275233"/>
+            <a:ext cx="7083250" cy="1104790"/>
+          </a:xfrm>
+          <a:custGeom>
+            <a:avLst/>
+            <a:gdLst>
+              <a:gd name="connsiteX0" fmla="*/ 0 w 10515600"/>
+              <a:gd name="connsiteY0" fmla="*/ 130026 h 1300261"/>
+              <a:gd name="connsiteX1" fmla="*/ 130026 w 10515600"/>
+              <a:gd name="connsiteY1" fmla="*/ 0 h 1300261"/>
+              <a:gd name="connsiteX2" fmla="*/ 10385574 w 10515600"/>
+              <a:gd name="connsiteY2" fmla="*/ 0 h 1300261"/>
+              <a:gd name="connsiteX3" fmla="*/ 10515600 w 10515600"/>
+              <a:gd name="connsiteY3" fmla="*/ 130026 h 1300261"/>
+              <a:gd name="connsiteX4" fmla="*/ 10515600 w 10515600"/>
+              <a:gd name="connsiteY4" fmla="*/ 1170235 h 1300261"/>
+              <a:gd name="connsiteX5" fmla="*/ 10385574 w 10515600"/>
+              <a:gd name="connsiteY5" fmla="*/ 1300261 h 1300261"/>
+              <a:gd name="connsiteX6" fmla="*/ 130026 w 10515600"/>
+              <a:gd name="connsiteY6" fmla="*/ 1300261 h 1300261"/>
+              <a:gd name="connsiteX7" fmla="*/ 0 w 10515600"/>
+              <a:gd name="connsiteY7" fmla="*/ 1170235 h 1300261"/>
+              <a:gd name="connsiteX8" fmla="*/ 0 w 10515600"/>
+              <a:gd name="connsiteY8" fmla="*/ 130026 h 1300261"/>
+            </a:gdLst>
+            <a:ahLst/>
+            <a:cxnLst>
+              <a:cxn ang="0">
+                <a:pos x="connsiteX0" y="connsiteY0"/>
+              </a:cxn>
+              <a:cxn ang="0">
+                <a:pos x="connsiteX1" y="connsiteY1"/>
+              </a:cxn>
+              <a:cxn ang="0">
+                <a:pos x="connsiteX2" y="connsiteY2"/>
+              </a:cxn>
+              <a:cxn ang="0">
+                <a:pos x="connsiteX3" y="connsiteY3"/>
+              </a:cxn>
+              <a:cxn ang="0">
+                <a:pos x="connsiteX4" y="connsiteY4"/>
+              </a:cxn>
+              <a:cxn ang="0">
+                <a:pos x="connsiteX5" y="connsiteY5"/>
+              </a:cxn>
+              <a:cxn ang="0">
+                <a:pos x="connsiteX6" y="connsiteY6"/>
+              </a:cxn>
+              <a:cxn ang="0">
+                <a:pos x="connsiteX7" y="connsiteY7"/>
+              </a:cxn>
+              <a:cxn ang="0">
+                <a:pos x="connsiteX8" y="connsiteY8"/>
+              </a:cxn>
+            </a:cxnLst>
+            <a:rect l="l" t="t" r="r" b="b"/>
+            <a:pathLst>
+              <a:path w="10515600" h="1300261">
+                <a:moveTo>
+                  <a:pt x="0" y="130026"/>
+                </a:moveTo>
+                <a:cubicBezTo>
+                  <a:pt x="0" y="58215"/>
+                  <a:pt x="58215" y="0"/>
+                  <a:pt x="130026" y="0"/>
+                </a:cubicBezTo>
+                <a:lnTo>
+                  <a:pt x="10385574" y="0"/>
+                </a:lnTo>
+                <a:cubicBezTo>
+                  <a:pt x="10457385" y="0"/>
+                  <a:pt x="10515600" y="58215"/>
+                  <a:pt x="10515600" y="130026"/>
+                </a:cubicBezTo>
+                <a:lnTo>
+                  <a:pt x="10515600" y="1170235"/>
+                </a:lnTo>
+                <a:cubicBezTo>
+                  <a:pt x="10515600" y="1242046"/>
+                  <a:pt x="10457385" y="1300261"/>
+                  <a:pt x="10385574" y="1300261"/>
+                </a:cubicBezTo>
+                <a:lnTo>
+                  <a:pt x="130026" y="1300261"/>
+                </a:lnTo>
+                <a:cubicBezTo>
+                  <a:pt x="58215" y="1300261"/>
+                  <a:pt x="0" y="1242046"/>
+                  <a:pt x="0" y="1170235"/>
+                </a:cubicBezTo>
+                <a:lnTo>
+                  <a:pt x="0" y="130026"/>
+                </a:lnTo>
+                <a:close/>
+              </a:path>
+            </a:pathLst>
+          </a:custGeom>
+          <a:solidFill>
+            <a:schemeClr val="accent1">
+              <a:lumMod val="40000"/>
+              <a:lumOff val="60000"/>
+            </a:schemeClr>
+          </a:solidFill>
+        </p:spPr>
+        <p:style>
+          <a:lnRef idx="2">
+            <a:schemeClr val="lt1">
+              <a:hueOff val="0"/>
+              <a:satOff val="0"/>
+              <a:lumOff val="0"/>
+              <a:alphaOff val="0"/>
+            </a:schemeClr>
+          </a:lnRef>
+          <a:fillRef idx="1">
+            <a:schemeClr val="accent1">
+              <a:hueOff val="0"/>
+              <a:satOff val="0"/>
+              <a:lumOff val="0"/>
+              <a:alphaOff val="0"/>
+            </a:schemeClr>
+          </a:fillRef>
+          <a:effectRef idx="0">
+            <a:schemeClr val="accent1">
+              <a:hueOff val="0"/>
+              <a:satOff val="0"/>
+              <a:lumOff val="0"/>
+              <a:alphaOff val="0"/>
+            </a:schemeClr>
+          </a:effectRef>
+          <a:fontRef idx="minor">
+            <a:schemeClr val="lt1"/>
+          </a:fontRef>
+        </p:style>
+        <p:txBody>
+          <a:bodyPr spcFirstLastPara="0" vert="horz" wrap="square" lIns="2301726" tIns="68580" rIns="68581" bIns="68580" numCol="1" spcCol="1270" anchor="t" anchorCtr="0">
+            <a:noAutofit/>
+          </a:bodyPr>
+          <a:lstStyle/>
+          <a:p>
+            <a:pPr lvl="0" algn="l" defTabSz="800100" latinLnBrk="1">
+              <a:lnSpc>
+                <a:spcPct val="90000"/>
+              </a:lnSpc>
+              <a:spcBef>
+                <a:spcPct val="0"/>
+              </a:spcBef>
+              <a:spcAft>
+                <a:spcPct val="35000"/>
+              </a:spcAft>
+            </a:pPr>
+            <a:endParaRPr lang="ko-KR" altLang="en-US" sz="1800" kern="1200"/>
+          </a:p>
+          <a:p>
+            <a:pPr marL="114300" lvl="1" indent="-114300" algn="l" defTabSz="622300" latinLnBrk="1">
+              <a:lnSpc>
+                <a:spcPct val="90000"/>
+              </a:lnSpc>
+              <a:spcBef>
+                <a:spcPct val="0"/>
+              </a:spcBef>
+              <a:spcAft>
+                <a:spcPct val="15000"/>
+              </a:spcAft>
+              <a:buChar char="••"/>
+            </a:pPr>
+            <a:endParaRPr lang="ko-KR" altLang="en-US" sz="1400" kern="1200"/>
+          </a:p>
+          <a:p>
+            <a:pPr marL="114300" lvl="1" indent="-114300" algn="l" defTabSz="622300" latinLnBrk="1">
+              <a:lnSpc>
+                <a:spcPct val="90000"/>
+              </a:lnSpc>
+              <a:spcBef>
+                <a:spcPct val="0"/>
+              </a:spcBef>
+              <a:spcAft>
+                <a:spcPct val="15000"/>
+              </a:spcAft>
+              <a:buChar char="••"/>
+            </a:pPr>
+            <a:endParaRPr lang="ko-KR" altLang="en-US" sz="1400" kern="1200"/>
+          </a:p>
+        </p:txBody>
+      </p:sp>
+      <p:grpSp>
+        <p:nvGrpSpPr>
+          <p:cNvPr id="23" name="그룹 22"/>
+          <p:cNvGrpSpPr/>
+          <p:nvPr/>
+        </p:nvGrpSpPr>
+        <p:grpSpPr>
+          <a:xfrm>
             <a:off x="2532184" y="1508945"/>
-            <a:ext cx="7083250" cy="4891854"/>
+            <a:ext cx="7083250" cy="3535328"/>
             <a:chOff x="466411" y="1890783"/>
             <a:chExt cx="10515600" cy="4160836"/>
           </a:xfrm>
@@ -14765,7 +16521,7 @@
           <a:p>
             <a:r>
               <a:rPr lang="en-US" altLang="ko-KR" dirty="0" smtClean="0"/>
-              <a:t>Application Plan</a:t>
+              <a:t>Expected Benefits</a:t>
             </a:r>
             <a:endParaRPr lang="ko-KR" altLang="en-US" b="0" dirty="0"/>
           </a:p>
@@ -14779,8 +16535,8 @@
         </p:nvSpPr>
         <p:spPr>
           <a:xfrm>
-            <a:off x="1065125" y="1386673"/>
-            <a:ext cx="2180493" cy="1683133"/>
+            <a:off x="1291671" y="1395601"/>
+            <a:ext cx="1902988" cy="1218134"/>
           </a:xfrm>
           <a:prstGeom prst="ellipse">
             <a:avLst/>
@@ -14821,47 +16577,6 @@
           </a:p>
         </p:txBody>
       </p:sp>
-      <p:pic>
-        <p:nvPicPr>
-          <p:cNvPr id="1026" name="Picture 2" descr="D:\joohyung\google_drive_backup\joohyung\성대\3학년\1학기\소공개\팀프로젝트\location.png"/>
-          <p:cNvPicPr>
-            <a:picLocks noChangeAspect="1" noChangeArrowheads="1"/>
-          </p:cNvPicPr>
-          <p:nvPr/>
-        </p:nvPicPr>
-        <p:blipFill>
-          <a:blip r:embed="rId3">
-            <a:extLst>
-              <a:ext uri="{28A0092B-C50C-407E-A947-70E740481C1C}">
-                <a14:useLocalDpi xmlns:a14="http://schemas.microsoft.com/office/drawing/2010/main" val="0"/>
-              </a:ext>
-            </a:extLst>
-          </a:blip>
-          <a:srcRect/>
-          <a:stretch>
-            <a:fillRect/>
-          </a:stretch>
-        </p:blipFill>
-        <p:spPr bwMode="auto">
-          <a:xfrm>
-            <a:off x="1514964" y="1362585"/>
-            <a:ext cx="1366821" cy="1168245"/>
-          </a:xfrm>
-          <a:prstGeom prst="rect">
-            <a:avLst/>
-          </a:prstGeom>
-          <a:noFill/>
-          <a:extLst>
-            <a:ext uri="{909E8E84-426E-40DD-AFC4-6F175D3DCCD1}">
-              <a14:hiddenFill xmlns:a14="http://schemas.microsoft.com/office/drawing/2010/main">
-                <a:solidFill>
-                  <a:srgbClr val="FFFFFF"/>
-                </a:solidFill>
-              </a14:hiddenFill>
-            </a:ext>
-          </a:extLst>
-        </p:spPr>
-      </p:pic>
       <p:sp>
         <p:nvSpPr>
           <p:cNvPr id="31" name="TextBox 30"/>
@@ -14870,8 +16585,8 @@
         </p:nvSpPr>
         <p:spPr>
           <a:xfrm>
-            <a:off x="1205919" y="2421960"/>
-            <a:ext cx="1984913" cy="461665"/>
+            <a:off x="1291672" y="2069649"/>
+            <a:ext cx="1984913" cy="400110"/>
           </a:xfrm>
           <a:prstGeom prst="rect">
             <a:avLst/>
@@ -14886,10 +16601,10 @@
           <a:p>
             <a:pPr algn="ctr"/>
             <a:r>
-              <a:rPr lang="en-US" altLang="ko-KR" sz="2400" b="1" dirty="0" smtClean="0"/>
-              <a:t>Find A Way</a:t>
+              <a:rPr lang="en-US" altLang="ko-KR" sz="2000" b="1" dirty="0" smtClean="0"/>
+              <a:t>Convenience</a:t>
             </a:r>
-            <a:endParaRPr lang="ko-KR" altLang="en-US" sz="2400" b="1" dirty="0"/>
+            <a:endParaRPr lang="ko-KR" altLang="en-US" sz="2000" b="1" dirty="0"/>
           </a:p>
         </p:txBody>
       </p:sp>
@@ -14901,8 +16616,8 @@
         </p:nvSpPr>
         <p:spPr>
           <a:xfrm>
-            <a:off x="3396343" y="1538789"/>
-            <a:ext cx="5687367" cy="1605568"/>
+            <a:off x="3396341" y="1569512"/>
+            <a:ext cx="5687367" cy="1000274"/>
           </a:xfrm>
           <a:prstGeom prst="rect">
             <a:avLst/>
@@ -14920,50 +16635,32 @@
               <a:buChar char="•"/>
             </a:pPr>
             <a:r>
-              <a:rPr lang="en-US" altLang="ko-KR" dirty="0" smtClean="0"/>
-              <a:t>Can be extended to find a way between any two locations in Korea</a:t>
+              <a:rPr lang="en-US" altLang="ko-KR" sz="1700" dirty="0" smtClean="0"/>
+              <a:t>Just click a button and get shortest path between classrooms in university</a:t>
             </a:r>
           </a:p>
           <a:p>
-            <a:pPr>
+            <a:pPr marL="285750" indent="-285750">
               <a:lnSpc>
-                <a:spcPts val="1000"/>
+                <a:spcPts val="1500"/>
               </a:lnSpc>
+              <a:buFont typeface="Arial" panose="020B0604020202020204" pitchFamily="34" charset="0"/>
+              <a:buChar char="•"/>
             </a:pPr>
-            <a:endParaRPr lang="en-US" altLang="ko-KR" dirty="0" smtClean="0"/>
+            <a:endParaRPr lang="en-US" altLang="ko-KR" sz="1700" dirty="0" smtClean="0"/>
           </a:p>
           <a:p>
             <a:pPr marL="285750" indent="-285750">
+              <a:lnSpc>
+                <a:spcPts val="1500"/>
+              </a:lnSpc>
               <a:buFont typeface="Arial" panose="020B0604020202020204" pitchFamily="34" charset="0"/>
               <a:buChar char="•"/>
             </a:pPr>
             <a:r>
-              <a:rPr lang="en-US" altLang="ko-KR" dirty="0" smtClean="0"/>
-              <a:t>Seoul to Busan, 1</a:t>
+              <a:rPr lang="en-US" altLang="ko-KR" sz="1700" dirty="0" smtClean="0"/>
+              <a:t>Can find path and location in easy, accurate way</a:t>
             </a:r>
-            <a:r>
-              <a:rPr lang="en-US" altLang="ko-KR" baseline="30000" dirty="0" smtClean="0"/>
-              <a:t>st</a:t>
-            </a:r>
-            <a:r>
-              <a:rPr lang="en-US" altLang="ko-KR" dirty="0" smtClean="0"/>
-              <a:t> floor to 3</a:t>
-            </a:r>
-            <a:r>
-              <a:rPr lang="en-US" altLang="ko-KR" baseline="30000" dirty="0" smtClean="0"/>
-              <a:t>rd</a:t>
-            </a:r>
-            <a:r>
-              <a:rPr lang="en-US" altLang="ko-KR" dirty="0" smtClean="0"/>
-              <a:t> floor in same building.. Any two places!</a:t>
-            </a:r>
-          </a:p>
-          <a:p>
-            <a:pPr marL="285750" indent="-285750">
-              <a:buFont typeface="Arial" panose="020B0604020202020204" pitchFamily="34" charset="0"/>
-              <a:buChar char="•"/>
-            </a:pPr>
-            <a:endParaRPr lang="ko-KR" altLang="en-US" dirty="0"/>
           </a:p>
         </p:txBody>
       </p:sp>
@@ -14975,8 +16672,8 @@
         </p:nvSpPr>
         <p:spPr>
           <a:xfrm>
-            <a:off x="1065125" y="3104585"/>
-            <a:ext cx="2180493" cy="1683133"/>
+            <a:off x="1289405" y="2724214"/>
+            <a:ext cx="1902987" cy="1150062"/>
           </a:xfrm>
           <a:prstGeom prst="ellipse">
             <a:avLst/>
@@ -15025,8 +16722,8 @@
         </p:nvSpPr>
         <p:spPr>
           <a:xfrm>
-            <a:off x="1346232" y="4148182"/>
-            <a:ext cx="1618273" cy="461665"/>
+            <a:off x="1402891" y="3434068"/>
+            <a:ext cx="1680547" cy="400110"/>
           </a:xfrm>
           <a:prstGeom prst="rect">
             <a:avLst/>
@@ -15041,54 +16738,13 @@
           <a:p>
             <a:pPr algn="ctr"/>
             <a:r>
-              <a:rPr lang="en-US" altLang="ko-KR" sz="2400" b="1" dirty="0" smtClean="0"/>
-              <a:t>Rescue</a:t>
+              <a:rPr lang="en-US" altLang="ko-KR" sz="2000" b="1" dirty="0" smtClean="0"/>
+              <a:t>Technology</a:t>
             </a:r>
-            <a:endParaRPr lang="ko-KR" altLang="en-US" sz="2400" b="1" dirty="0"/>
+            <a:endParaRPr lang="ko-KR" altLang="en-US" sz="2000" b="1" dirty="0"/>
           </a:p>
         </p:txBody>
       </p:sp>
-      <p:pic>
-        <p:nvPicPr>
-          <p:cNvPr id="1027" name="Picture 3" descr="D:\joohyung\google_drive_backup\joohyung\성대\3학년\1학기\소공개\팀프로젝트\rescue.png"/>
-          <p:cNvPicPr>
-            <a:picLocks noChangeAspect="1" noChangeArrowheads="1"/>
-          </p:cNvPicPr>
-          <p:nvPr/>
-        </p:nvPicPr>
-        <p:blipFill>
-          <a:blip r:embed="rId4">
-            <a:extLst>
-              <a:ext uri="{28A0092B-C50C-407E-A947-70E740481C1C}">
-                <a14:useLocalDpi xmlns:a14="http://schemas.microsoft.com/office/drawing/2010/main" val="0"/>
-              </a:ext>
-            </a:extLst>
-          </a:blip>
-          <a:srcRect/>
-          <a:stretch>
-            <a:fillRect/>
-          </a:stretch>
-        </p:blipFill>
-        <p:spPr bwMode="auto">
-          <a:xfrm>
-            <a:off x="1471957" y="3159186"/>
-            <a:ext cx="1366821" cy="1075951"/>
-          </a:xfrm>
-          <a:prstGeom prst="rect">
-            <a:avLst/>
-          </a:prstGeom>
-          <a:noFill/>
-          <a:extLst>
-            <a:ext uri="{909E8E84-426E-40DD-AFC4-6F175D3DCCD1}">
-              <a14:hiddenFill xmlns:a14="http://schemas.microsoft.com/office/drawing/2010/main">
-                <a:solidFill>
-                  <a:srgbClr val="FFFFFF"/>
-                </a:solidFill>
-              </a14:hiddenFill>
-            </a:ext>
-          </a:extLst>
-        </p:spPr>
-      </p:pic>
       <p:sp>
         <p:nvSpPr>
           <p:cNvPr id="39" name="TextBox 38"/>
@@ -15097,8 +16753,8 @@
         </p:nvSpPr>
         <p:spPr>
           <a:xfrm>
-            <a:off x="3396343" y="3390654"/>
-            <a:ext cx="4898992" cy="1328569"/>
+            <a:off x="3381265" y="2763186"/>
+            <a:ext cx="5968722" cy="1384995"/>
           </a:xfrm>
           <a:prstGeom prst="rect">
             <a:avLst/>
@@ -15111,39 +16767,66 @@
           </a:bodyPr>
           <a:lstStyle/>
           <a:p>
+            <a:pPr>
+              <a:lnSpc>
+                <a:spcPts val="1500"/>
+              </a:lnSpc>
+            </a:pPr>
+            <a:endParaRPr lang="en-US" altLang="ko-KR" sz="1700" dirty="0" smtClean="0"/>
+          </a:p>
+          <a:p>
+            <a:pPr marL="285750" indent="-285750">
+              <a:lnSpc>
+                <a:spcPts val="1500"/>
+              </a:lnSpc>
+              <a:buFont typeface="Arial" panose="020B0604020202020204" pitchFamily="34" charset="0"/>
+              <a:buChar char="•"/>
+            </a:pPr>
+            <a:r>
+              <a:rPr lang="en-US" altLang="ko-KR" sz="1700" dirty="0" smtClean="0"/>
+              <a:t>Use machine learning models with </a:t>
+            </a:r>
+            <a:r>
+              <a:rPr lang="en-US" altLang="ko-KR" sz="1700" dirty="0" err="1" smtClean="0"/>
+              <a:t>Wifi</a:t>
+            </a:r>
+            <a:r>
+              <a:rPr lang="en-US" altLang="ko-KR" sz="1700" dirty="0" smtClean="0"/>
+              <a:t> and GPS data</a:t>
+            </a:r>
+          </a:p>
+          <a:p>
+            <a:pPr marL="285750" indent="-285750">
+              <a:lnSpc>
+                <a:spcPts val="1500"/>
+              </a:lnSpc>
+              <a:buFont typeface="Arial" panose="020B0604020202020204" pitchFamily="34" charset="0"/>
+              <a:buChar char="•"/>
+            </a:pPr>
+            <a:endParaRPr lang="en-US" altLang="ko-KR" sz="1700" dirty="0" smtClean="0"/>
+          </a:p>
+          <a:p>
+            <a:pPr marL="285750" indent="-285750">
+              <a:lnSpc>
+                <a:spcPts val="1500"/>
+              </a:lnSpc>
+              <a:buFont typeface="Arial" panose="020B0604020202020204" pitchFamily="34" charset="0"/>
+              <a:buChar char="•"/>
+            </a:pPr>
+            <a:r>
+              <a:rPr lang="en-US" altLang="ko-KR" sz="1700" dirty="0"/>
+              <a:t>Get accurate location information even in building</a:t>
+            </a:r>
+          </a:p>
+          <a:p>
             <a:pPr marL="285750" indent="-285750">
               <a:buFont typeface="Arial" panose="020B0604020202020204" pitchFamily="34" charset="0"/>
               <a:buChar char="•"/>
             </a:pPr>
-            <a:r>
-              <a:rPr lang="en-US" altLang="ko-KR" dirty="0" smtClean="0"/>
-              <a:t>You can get quick help from police officers and firefighters</a:t>
-            </a:r>
-          </a:p>
-          <a:p>
-            <a:pPr>
-              <a:lnSpc>
-                <a:spcPts val="1000"/>
-              </a:lnSpc>
-            </a:pPr>
-            <a:endParaRPr lang="en-US" altLang="ko-KR" dirty="0" smtClean="0"/>
-          </a:p>
-          <a:p>
-            <a:pPr marL="285750" indent="-285750">
-              <a:buFont typeface="Arial" panose="020B0604020202020204" pitchFamily="34" charset="0"/>
-              <a:buChar char="•"/>
-            </a:pPr>
-            <a:r>
-              <a:rPr lang="en-US" altLang="ko-KR" dirty="0" smtClean="0"/>
-              <a:t>Location and path accuracy save our life!</a:t>
-            </a:r>
-          </a:p>
-          <a:p>
-            <a:pPr marL="285750" indent="-285750">
-              <a:buFont typeface="Arial" panose="020B0604020202020204" pitchFamily="34" charset="0"/>
-              <a:buChar char="•"/>
-            </a:pPr>
-            <a:endParaRPr lang="ko-KR" altLang="en-US" dirty="0"/>
+            <a:endParaRPr lang="en-US" altLang="ko-KR" sz="1700" dirty="0" smtClean="0"/>
+          </a:p>
+          <a:p>
+            <a:endParaRPr lang="ko-KR" altLang="en-US" sz="1700" dirty="0"/>
           </a:p>
         </p:txBody>
       </p:sp>
@@ -15155,8 +16838,8 @@
         </p:nvSpPr>
         <p:spPr>
           <a:xfrm>
-            <a:off x="3396343" y="5164557"/>
-            <a:ext cx="4898992" cy="1051570"/>
+            <a:off x="3381265" y="4148181"/>
+            <a:ext cx="5416061" cy="931024"/>
           </a:xfrm>
           <a:prstGeom prst="rect">
             <a:avLst/>
@@ -15170,38 +16853,44 @@
           <a:lstStyle/>
           <a:p>
             <a:pPr marL="285750" indent="-285750">
+              <a:lnSpc>
+                <a:spcPts val="1500"/>
+              </a:lnSpc>
               <a:buFont typeface="Arial" panose="020B0604020202020204" pitchFamily="34" charset="0"/>
               <a:buChar char="•"/>
             </a:pPr>
             <a:r>
-              <a:rPr lang="en-US" altLang="ko-KR" dirty="0" smtClean="0"/>
-              <a:t>Can be extended to find people around us </a:t>
+              <a:rPr lang="en-US" altLang="ko-KR" sz="1700" dirty="0" smtClean="0"/>
+              <a:t>Don’t have to find shortest path on your own</a:t>
             </a:r>
           </a:p>
           <a:p>
             <a:pPr>
               <a:lnSpc>
-                <a:spcPts val="1000"/>
+                <a:spcPts val="1500"/>
               </a:lnSpc>
             </a:pPr>
-            <a:endParaRPr lang="en-US" altLang="ko-KR" dirty="0" smtClean="0"/>
+            <a:endParaRPr lang="en-US" altLang="ko-KR" sz="1700" dirty="0" smtClean="0"/>
+          </a:p>
+          <a:p>
+            <a:pPr marL="285750" indent="-285750">
+              <a:lnSpc>
+                <a:spcPts val="1500"/>
+              </a:lnSpc>
+              <a:buFont typeface="Arial" panose="020B0604020202020204" pitchFamily="34" charset="0"/>
+              <a:buChar char="•"/>
+            </a:pPr>
+            <a:r>
+              <a:rPr lang="en-US" altLang="ko-KR" sz="1700" dirty="0" smtClean="0"/>
+              <a:t>Save your time and energy</a:t>
+            </a:r>
           </a:p>
           <a:p>
             <a:pPr marL="285750" indent="-285750">
               <a:buFont typeface="Arial" panose="020B0604020202020204" pitchFamily="34" charset="0"/>
               <a:buChar char="•"/>
             </a:pPr>
-            <a:r>
-              <a:rPr lang="en-US" altLang="ko-KR" dirty="0" smtClean="0"/>
-              <a:t>Get to know each other!</a:t>
-            </a:r>
-          </a:p>
-          <a:p>
-            <a:pPr marL="285750" indent="-285750">
-              <a:buFont typeface="Arial" panose="020B0604020202020204" pitchFamily="34" charset="0"/>
-              <a:buChar char="•"/>
-            </a:pPr>
-            <a:endParaRPr lang="ko-KR" altLang="en-US" dirty="0"/>
+            <a:endParaRPr lang="ko-KR" altLang="en-US" sz="1700" dirty="0"/>
           </a:p>
         </p:txBody>
       </p:sp>
@@ -15213,8 +16902,8 @@
         </p:nvSpPr>
         <p:spPr>
           <a:xfrm>
-            <a:off x="1096092" y="4823803"/>
-            <a:ext cx="2180493" cy="1683133"/>
+            <a:off x="1318013" y="3925276"/>
+            <a:ext cx="1876646" cy="1216395"/>
           </a:xfrm>
           <a:prstGeom prst="ellipse">
             <a:avLst/>
@@ -15263,8 +16952,8 @@
         </p:nvSpPr>
         <p:spPr>
           <a:xfrm>
-            <a:off x="1261187" y="5827628"/>
-            <a:ext cx="1874379" cy="461665"/>
+            <a:off x="1329598" y="4664129"/>
+            <a:ext cx="1874379" cy="400110"/>
           </a:xfrm>
           <a:prstGeom prst="rect">
             <a:avLst/>
@@ -15279,1091 +16968,10 @@
           <a:p>
             <a:pPr algn="ctr"/>
             <a:r>
-              <a:rPr lang="en-US" altLang="ko-KR" sz="2400" b="1" dirty="0" smtClean="0"/>
-              <a:t>Find People</a:t>
-            </a:r>
-            <a:endParaRPr lang="ko-KR" altLang="en-US" sz="2400" b="1" dirty="0"/>
-          </a:p>
-        </p:txBody>
-      </p:sp>
-      <p:pic>
-        <p:nvPicPr>
-          <p:cNvPr id="1028" name="Picture 4" descr="D:\joohyung\google_drive_backup\joohyung\성대\3학년\1학기\소공개\팀프로젝트\people.png"/>
-          <p:cNvPicPr>
-            <a:picLocks noChangeAspect="1" noChangeArrowheads="1"/>
-          </p:cNvPicPr>
-          <p:nvPr/>
-        </p:nvPicPr>
-        <p:blipFill>
-          <a:blip r:embed="rId5">
-            <a:extLst>
-              <a:ext uri="{28A0092B-C50C-407E-A947-70E740481C1C}">
-                <a14:useLocalDpi xmlns:a14="http://schemas.microsoft.com/office/drawing/2010/main" val="0"/>
-              </a:ext>
-            </a:extLst>
-          </a:blip>
-          <a:srcRect/>
-          <a:stretch>
-            <a:fillRect/>
-          </a:stretch>
-        </p:blipFill>
-        <p:spPr bwMode="auto">
-          <a:xfrm>
-            <a:off x="1514964" y="5060219"/>
-            <a:ext cx="1385986" cy="767409"/>
-          </a:xfrm>
-          <a:prstGeom prst="rect">
-            <a:avLst/>
-          </a:prstGeom>
-          <a:noFill/>
-          <a:extLst>
-            <a:ext uri="{909E8E84-426E-40DD-AFC4-6F175D3DCCD1}">
-              <a14:hiddenFill xmlns:a14="http://schemas.microsoft.com/office/drawing/2010/main">
-                <a:solidFill>
-                  <a:srgbClr val="FFFFFF"/>
-                </a:solidFill>
-              </a14:hiddenFill>
-            </a:ext>
-          </a:extLst>
-        </p:spPr>
-      </p:pic>
-    </p:spTree>
-    <p:extLst>
-      <p:ext uri="{BB962C8B-B14F-4D97-AF65-F5344CB8AC3E}">
-        <p14:creationId xmlns:p14="http://schemas.microsoft.com/office/powerpoint/2010/main" val="1552797185"/>
-      </p:ext>
-    </p:extLst>
-  </p:cSld>
-  <p:clrMapOvr>
-    <a:masterClrMapping/>
-  </p:clrMapOvr>
-  <p:timing>
-    <p:tnLst>
-      <p:par>
-        <p:cTn id="1" dur="indefinite" restart="never" nodeType="tmRoot"/>
-      </p:par>
-    </p:tnLst>
-  </p:timing>
-</p:sld>
-</file>
-
-<file path=ppt/slides/slide3.xml><?xml version="1.0" encoding="utf-8"?>
-<p:sld xmlns:a="http://schemas.openxmlformats.org/drawingml/2006/main" xmlns:r="http://schemas.openxmlformats.org/officeDocument/2006/relationships" xmlns:p="http://schemas.openxmlformats.org/presentationml/2006/main">
-  <p:cSld>
-    <p:spTree>
-      <p:nvGrpSpPr>
-        <p:cNvPr id="1" name=""/>
-        <p:cNvGrpSpPr/>
-        <p:nvPr/>
-      </p:nvGrpSpPr>
-      <p:grpSpPr>
-        <a:xfrm>
-          <a:off x="0" y="0"/>
-          <a:ext cx="0" cy="0"/>
-          <a:chOff x="0" y="0"/>
-          <a:chExt cx="0" cy="0"/>
-        </a:xfrm>
-      </p:grpSpPr>
-      <p:grpSp>
-        <p:nvGrpSpPr>
-          <p:cNvPr id="23" name="그룹 22"/>
-          <p:cNvGrpSpPr/>
-          <p:nvPr/>
-        </p:nvGrpSpPr>
-        <p:grpSpPr>
-          <a:xfrm>
-            <a:off x="2532184" y="1508945"/>
-            <a:ext cx="7083250" cy="4891854"/>
-            <a:chOff x="466411" y="1890783"/>
-            <a:chExt cx="10515600" cy="4160836"/>
-          </a:xfrm>
-          <a:solidFill>
-            <a:schemeClr val="accent1">
-              <a:lumMod val="40000"/>
-              <a:lumOff val="60000"/>
-            </a:schemeClr>
-          </a:solidFill>
-        </p:grpSpPr>
-        <p:sp>
-          <p:nvSpPr>
-            <p:cNvPr id="24" name="자유형 23"/>
-            <p:cNvSpPr/>
-            <p:nvPr/>
-          </p:nvSpPr>
-          <p:spPr>
-            <a:xfrm>
-              <a:off x="466411" y="1890783"/>
-              <a:ext cx="10515600" cy="1300261"/>
-            </a:xfrm>
-            <a:custGeom>
-              <a:avLst/>
-              <a:gdLst>
-                <a:gd name="connsiteX0" fmla="*/ 0 w 10515600"/>
-                <a:gd name="connsiteY0" fmla="*/ 130026 h 1300261"/>
-                <a:gd name="connsiteX1" fmla="*/ 130026 w 10515600"/>
-                <a:gd name="connsiteY1" fmla="*/ 0 h 1300261"/>
-                <a:gd name="connsiteX2" fmla="*/ 10385574 w 10515600"/>
-                <a:gd name="connsiteY2" fmla="*/ 0 h 1300261"/>
-                <a:gd name="connsiteX3" fmla="*/ 10515600 w 10515600"/>
-                <a:gd name="connsiteY3" fmla="*/ 130026 h 1300261"/>
-                <a:gd name="connsiteX4" fmla="*/ 10515600 w 10515600"/>
-                <a:gd name="connsiteY4" fmla="*/ 1170235 h 1300261"/>
-                <a:gd name="connsiteX5" fmla="*/ 10385574 w 10515600"/>
-                <a:gd name="connsiteY5" fmla="*/ 1300261 h 1300261"/>
-                <a:gd name="connsiteX6" fmla="*/ 130026 w 10515600"/>
-                <a:gd name="connsiteY6" fmla="*/ 1300261 h 1300261"/>
-                <a:gd name="connsiteX7" fmla="*/ 0 w 10515600"/>
-                <a:gd name="connsiteY7" fmla="*/ 1170235 h 1300261"/>
-                <a:gd name="connsiteX8" fmla="*/ 0 w 10515600"/>
-                <a:gd name="connsiteY8" fmla="*/ 130026 h 1300261"/>
-              </a:gdLst>
-              <a:ahLst/>
-              <a:cxnLst>
-                <a:cxn ang="0">
-                  <a:pos x="connsiteX0" y="connsiteY0"/>
-                </a:cxn>
-                <a:cxn ang="0">
-                  <a:pos x="connsiteX1" y="connsiteY1"/>
-                </a:cxn>
-                <a:cxn ang="0">
-                  <a:pos x="connsiteX2" y="connsiteY2"/>
-                </a:cxn>
-                <a:cxn ang="0">
-                  <a:pos x="connsiteX3" y="connsiteY3"/>
-                </a:cxn>
-                <a:cxn ang="0">
-                  <a:pos x="connsiteX4" y="connsiteY4"/>
-                </a:cxn>
-                <a:cxn ang="0">
-                  <a:pos x="connsiteX5" y="connsiteY5"/>
-                </a:cxn>
-                <a:cxn ang="0">
-                  <a:pos x="connsiteX6" y="connsiteY6"/>
-                </a:cxn>
-                <a:cxn ang="0">
-                  <a:pos x="connsiteX7" y="connsiteY7"/>
-                </a:cxn>
-                <a:cxn ang="0">
-                  <a:pos x="connsiteX8" y="connsiteY8"/>
-                </a:cxn>
-              </a:cxnLst>
-              <a:rect l="l" t="t" r="r" b="b"/>
-              <a:pathLst>
-                <a:path w="10515600" h="1300261">
-                  <a:moveTo>
-                    <a:pt x="0" y="130026"/>
-                  </a:moveTo>
-                  <a:cubicBezTo>
-                    <a:pt x="0" y="58215"/>
-                    <a:pt x="58215" y="0"/>
-                    <a:pt x="130026" y="0"/>
-                  </a:cubicBezTo>
-                  <a:lnTo>
-                    <a:pt x="10385574" y="0"/>
-                  </a:lnTo>
-                  <a:cubicBezTo>
-                    <a:pt x="10457385" y="0"/>
-                    <a:pt x="10515600" y="58215"/>
-                    <a:pt x="10515600" y="130026"/>
-                  </a:cubicBezTo>
-                  <a:lnTo>
-                    <a:pt x="10515600" y="1170235"/>
-                  </a:lnTo>
-                  <a:cubicBezTo>
-                    <a:pt x="10515600" y="1242046"/>
-                    <a:pt x="10457385" y="1300261"/>
-                    <a:pt x="10385574" y="1300261"/>
-                  </a:cubicBezTo>
-                  <a:lnTo>
-                    <a:pt x="130026" y="1300261"/>
-                  </a:lnTo>
-                  <a:cubicBezTo>
-                    <a:pt x="58215" y="1300261"/>
-                    <a:pt x="0" y="1242046"/>
-                    <a:pt x="0" y="1170235"/>
-                  </a:cubicBezTo>
-                  <a:lnTo>
-                    <a:pt x="0" y="130026"/>
-                  </a:lnTo>
-                  <a:close/>
-                </a:path>
-              </a:pathLst>
-            </a:custGeom>
-            <a:grpFill/>
-          </p:spPr>
-          <p:style>
-            <a:lnRef idx="2">
-              <a:schemeClr val="lt1">
-                <a:hueOff val="0"/>
-                <a:satOff val="0"/>
-                <a:lumOff val="0"/>
-                <a:alphaOff val="0"/>
-              </a:schemeClr>
-            </a:lnRef>
-            <a:fillRef idx="1">
-              <a:schemeClr val="accent1">
-                <a:hueOff val="0"/>
-                <a:satOff val="0"/>
-                <a:lumOff val="0"/>
-                <a:alphaOff val="0"/>
-              </a:schemeClr>
-            </a:fillRef>
-            <a:effectRef idx="0">
-              <a:schemeClr val="accent1">
-                <a:hueOff val="0"/>
-                <a:satOff val="0"/>
-                <a:lumOff val="0"/>
-                <a:alphaOff val="0"/>
-              </a:schemeClr>
-            </a:effectRef>
-            <a:fontRef idx="minor">
-              <a:schemeClr val="lt1"/>
-            </a:fontRef>
-          </p:style>
-          <p:txBody>
-            <a:bodyPr spcFirstLastPara="0" vert="horz" wrap="square" lIns="2301726" tIns="68580" rIns="68581" bIns="68580" numCol="1" spcCol="1270" anchor="t" anchorCtr="0">
-              <a:noAutofit/>
-            </a:bodyPr>
-            <a:lstStyle/>
-            <a:p>
-              <a:pPr marL="0" lvl="1" algn="l" defTabSz="622300" latinLnBrk="1">
-                <a:lnSpc>
-                  <a:spcPct val="90000"/>
-                </a:lnSpc>
-                <a:spcBef>
-                  <a:spcPct val="0"/>
-                </a:spcBef>
-                <a:spcAft>
-                  <a:spcPct val="15000"/>
-                </a:spcAft>
-              </a:pPr>
-              <a:endParaRPr lang="ko-KR" altLang="en-US" sz="1400" kern="1200" dirty="0"/>
-            </a:p>
-          </p:txBody>
-        </p:sp>
-        <p:sp>
-          <p:nvSpPr>
-            <p:cNvPr id="26" name="자유형 25"/>
-            <p:cNvSpPr/>
-            <p:nvPr/>
-          </p:nvSpPr>
-          <p:spPr>
-            <a:xfrm>
-              <a:off x="466411" y="3321070"/>
-              <a:ext cx="10515600" cy="1300261"/>
-            </a:xfrm>
-            <a:custGeom>
-              <a:avLst/>
-              <a:gdLst>
-                <a:gd name="connsiteX0" fmla="*/ 0 w 10515600"/>
-                <a:gd name="connsiteY0" fmla="*/ 130026 h 1300261"/>
-                <a:gd name="connsiteX1" fmla="*/ 130026 w 10515600"/>
-                <a:gd name="connsiteY1" fmla="*/ 0 h 1300261"/>
-                <a:gd name="connsiteX2" fmla="*/ 10385574 w 10515600"/>
-                <a:gd name="connsiteY2" fmla="*/ 0 h 1300261"/>
-                <a:gd name="connsiteX3" fmla="*/ 10515600 w 10515600"/>
-                <a:gd name="connsiteY3" fmla="*/ 130026 h 1300261"/>
-                <a:gd name="connsiteX4" fmla="*/ 10515600 w 10515600"/>
-                <a:gd name="connsiteY4" fmla="*/ 1170235 h 1300261"/>
-                <a:gd name="connsiteX5" fmla="*/ 10385574 w 10515600"/>
-                <a:gd name="connsiteY5" fmla="*/ 1300261 h 1300261"/>
-                <a:gd name="connsiteX6" fmla="*/ 130026 w 10515600"/>
-                <a:gd name="connsiteY6" fmla="*/ 1300261 h 1300261"/>
-                <a:gd name="connsiteX7" fmla="*/ 0 w 10515600"/>
-                <a:gd name="connsiteY7" fmla="*/ 1170235 h 1300261"/>
-                <a:gd name="connsiteX8" fmla="*/ 0 w 10515600"/>
-                <a:gd name="connsiteY8" fmla="*/ 130026 h 1300261"/>
-              </a:gdLst>
-              <a:ahLst/>
-              <a:cxnLst>
-                <a:cxn ang="0">
-                  <a:pos x="connsiteX0" y="connsiteY0"/>
-                </a:cxn>
-                <a:cxn ang="0">
-                  <a:pos x="connsiteX1" y="connsiteY1"/>
-                </a:cxn>
-                <a:cxn ang="0">
-                  <a:pos x="connsiteX2" y="connsiteY2"/>
-                </a:cxn>
-                <a:cxn ang="0">
-                  <a:pos x="connsiteX3" y="connsiteY3"/>
-                </a:cxn>
-                <a:cxn ang="0">
-                  <a:pos x="connsiteX4" y="connsiteY4"/>
-                </a:cxn>
-                <a:cxn ang="0">
-                  <a:pos x="connsiteX5" y="connsiteY5"/>
-                </a:cxn>
-                <a:cxn ang="0">
-                  <a:pos x="connsiteX6" y="connsiteY6"/>
-                </a:cxn>
-                <a:cxn ang="0">
-                  <a:pos x="connsiteX7" y="connsiteY7"/>
-                </a:cxn>
-                <a:cxn ang="0">
-                  <a:pos x="connsiteX8" y="connsiteY8"/>
-                </a:cxn>
-              </a:cxnLst>
-              <a:rect l="l" t="t" r="r" b="b"/>
-              <a:pathLst>
-                <a:path w="10515600" h="1300261">
-                  <a:moveTo>
-                    <a:pt x="0" y="130026"/>
-                  </a:moveTo>
-                  <a:cubicBezTo>
-                    <a:pt x="0" y="58215"/>
-                    <a:pt x="58215" y="0"/>
-                    <a:pt x="130026" y="0"/>
-                  </a:cubicBezTo>
-                  <a:lnTo>
-                    <a:pt x="10385574" y="0"/>
-                  </a:lnTo>
-                  <a:cubicBezTo>
-                    <a:pt x="10457385" y="0"/>
-                    <a:pt x="10515600" y="58215"/>
-                    <a:pt x="10515600" y="130026"/>
-                  </a:cubicBezTo>
-                  <a:lnTo>
-                    <a:pt x="10515600" y="1170235"/>
-                  </a:lnTo>
-                  <a:cubicBezTo>
-                    <a:pt x="10515600" y="1242046"/>
-                    <a:pt x="10457385" y="1300261"/>
-                    <a:pt x="10385574" y="1300261"/>
-                  </a:cubicBezTo>
-                  <a:lnTo>
-                    <a:pt x="130026" y="1300261"/>
-                  </a:lnTo>
-                  <a:cubicBezTo>
-                    <a:pt x="58215" y="1300261"/>
-                    <a:pt x="0" y="1242046"/>
-                    <a:pt x="0" y="1170235"/>
-                  </a:cubicBezTo>
-                  <a:lnTo>
-                    <a:pt x="0" y="130026"/>
-                  </a:lnTo>
-                  <a:close/>
-                </a:path>
-              </a:pathLst>
-            </a:custGeom>
-            <a:grpFill/>
-          </p:spPr>
-          <p:style>
-            <a:lnRef idx="2">
-              <a:schemeClr val="lt1">
-                <a:hueOff val="0"/>
-                <a:satOff val="0"/>
-                <a:lumOff val="0"/>
-                <a:alphaOff val="0"/>
-              </a:schemeClr>
-            </a:lnRef>
-            <a:fillRef idx="1">
-              <a:schemeClr val="accent1">
-                <a:hueOff val="0"/>
-                <a:satOff val="0"/>
-                <a:lumOff val="0"/>
-                <a:alphaOff val="0"/>
-              </a:schemeClr>
-            </a:fillRef>
-            <a:effectRef idx="0">
-              <a:schemeClr val="accent1">
-                <a:hueOff val="0"/>
-                <a:satOff val="0"/>
-                <a:lumOff val="0"/>
-                <a:alphaOff val="0"/>
-              </a:schemeClr>
-            </a:effectRef>
-            <a:fontRef idx="minor">
-              <a:schemeClr val="lt1"/>
-            </a:fontRef>
-          </p:style>
-          <p:txBody>
-            <a:bodyPr spcFirstLastPara="0" vert="horz" wrap="square" lIns="2301726" tIns="68580" rIns="68581" bIns="68580" numCol="1" spcCol="1270" anchor="t" anchorCtr="0">
-              <a:noAutofit/>
-            </a:bodyPr>
-            <a:lstStyle/>
-            <a:p>
-              <a:pPr lvl="0" algn="l" defTabSz="800100" latinLnBrk="1">
-                <a:lnSpc>
-                  <a:spcPct val="90000"/>
-                </a:lnSpc>
-                <a:spcBef>
-                  <a:spcPct val="0"/>
-                </a:spcBef>
-                <a:spcAft>
-                  <a:spcPct val="35000"/>
-                </a:spcAft>
-              </a:pPr>
-              <a:endParaRPr lang="ko-KR" altLang="en-US" sz="1800" kern="1200"/>
-            </a:p>
-            <a:p>
-              <a:pPr marL="114300" lvl="1" indent="-114300" algn="l" defTabSz="622300" latinLnBrk="1">
-                <a:lnSpc>
-                  <a:spcPct val="90000"/>
-                </a:lnSpc>
-                <a:spcBef>
-                  <a:spcPct val="0"/>
-                </a:spcBef>
-                <a:spcAft>
-                  <a:spcPct val="15000"/>
-                </a:spcAft>
-                <a:buChar char="••"/>
-              </a:pPr>
-              <a:endParaRPr lang="ko-KR" altLang="en-US" sz="1400" kern="1200"/>
-            </a:p>
-            <a:p>
-              <a:pPr marL="114300" lvl="1" indent="-114300" algn="l" defTabSz="622300" latinLnBrk="1">
-                <a:lnSpc>
-                  <a:spcPct val="90000"/>
-                </a:lnSpc>
-                <a:spcBef>
-                  <a:spcPct val="0"/>
-                </a:spcBef>
-                <a:spcAft>
-                  <a:spcPct val="15000"/>
-                </a:spcAft>
-                <a:buChar char="••"/>
-              </a:pPr>
-              <a:endParaRPr lang="ko-KR" altLang="en-US" sz="1400" kern="1200"/>
-            </a:p>
-          </p:txBody>
-        </p:sp>
-        <p:sp>
-          <p:nvSpPr>
-            <p:cNvPr id="28" name="자유형 27"/>
-            <p:cNvSpPr/>
-            <p:nvPr/>
-          </p:nvSpPr>
-          <p:spPr>
-            <a:xfrm>
-              <a:off x="466411" y="4751358"/>
-              <a:ext cx="10515600" cy="1300261"/>
-            </a:xfrm>
-            <a:custGeom>
-              <a:avLst/>
-              <a:gdLst>
-                <a:gd name="connsiteX0" fmla="*/ 0 w 10515600"/>
-                <a:gd name="connsiteY0" fmla="*/ 130026 h 1300261"/>
-                <a:gd name="connsiteX1" fmla="*/ 130026 w 10515600"/>
-                <a:gd name="connsiteY1" fmla="*/ 0 h 1300261"/>
-                <a:gd name="connsiteX2" fmla="*/ 10385574 w 10515600"/>
-                <a:gd name="connsiteY2" fmla="*/ 0 h 1300261"/>
-                <a:gd name="connsiteX3" fmla="*/ 10515600 w 10515600"/>
-                <a:gd name="connsiteY3" fmla="*/ 130026 h 1300261"/>
-                <a:gd name="connsiteX4" fmla="*/ 10515600 w 10515600"/>
-                <a:gd name="connsiteY4" fmla="*/ 1170235 h 1300261"/>
-                <a:gd name="connsiteX5" fmla="*/ 10385574 w 10515600"/>
-                <a:gd name="connsiteY5" fmla="*/ 1300261 h 1300261"/>
-                <a:gd name="connsiteX6" fmla="*/ 130026 w 10515600"/>
-                <a:gd name="connsiteY6" fmla="*/ 1300261 h 1300261"/>
-                <a:gd name="connsiteX7" fmla="*/ 0 w 10515600"/>
-                <a:gd name="connsiteY7" fmla="*/ 1170235 h 1300261"/>
-                <a:gd name="connsiteX8" fmla="*/ 0 w 10515600"/>
-                <a:gd name="connsiteY8" fmla="*/ 130026 h 1300261"/>
-              </a:gdLst>
-              <a:ahLst/>
-              <a:cxnLst>
-                <a:cxn ang="0">
-                  <a:pos x="connsiteX0" y="connsiteY0"/>
-                </a:cxn>
-                <a:cxn ang="0">
-                  <a:pos x="connsiteX1" y="connsiteY1"/>
-                </a:cxn>
-                <a:cxn ang="0">
-                  <a:pos x="connsiteX2" y="connsiteY2"/>
-                </a:cxn>
-                <a:cxn ang="0">
-                  <a:pos x="connsiteX3" y="connsiteY3"/>
-                </a:cxn>
-                <a:cxn ang="0">
-                  <a:pos x="connsiteX4" y="connsiteY4"/>
-                </a:cxn>
-                <a:cxn ang="0">
-                  <a:pos x="connsiteX5" y="connsiteY5"/>
-                </a:cxn>
-                <a:cxn ang="0">
-                  <a:pos x="connsiteX6" y="connsiteY6"/>
-                </a:cxn>
-                <a:cxn ang="0">
-                  <a:pos x="connsiteX7" y="connsiteY7"/>
-                </a:cxn>
-                <a:cxn ang="0">
-                  <a:pos x="connsiteX8" y="connsiteY8"/>
-                </a:cxn>
-              </a:cxnLst>
-              <a:rect l="l" t="t" r="r" b="b"/>
-              <a:pathLst>
-                <a:path w="10515600" h="1300261">
-                  <a:moveTo>
-                    <a:pt x="0" y="130026"/>
-                  </a:moveTo>
-                  <a:cubicBezTo>
-                    <a:pt x="0" y="58215"/>
-                    <a:pt x="58215" y="0"/>
-                    <a:pt x="130026" y="0"/>
-                  </a:cubicBezTo>
-                  <a:lnTo>
-                    <a:pt x="10385574" y="0"/>
-                  </a:lnTo>
-                  <a:cubicBezTo>
-                    <a:pt x="10457385" y="0"/>
-                    <a:pt x="10515600" y="58215"/>
-                    <a:pt x="10515600" y="130026"/>
-                  </a:cubicBezTo>
-                  <a:lnTo>
-                    <a:pt x="10515600" y="1170235"/>
-                  </a:lnTo>
-                  <a:cubicBezTo>
-                    <a:pt x="10515600" y="1242046"/>
-                    <a:pt x="10457385" y="1300261"/>
-                    <a:pt x="10385574" y="1300261"/>
-                  </a:cubicBezTo>
-                  <a:lnTo>
-                    <a:pt x="130026" y="1300261"/>
-                  </a:lnTo>
-                  <a:cubicBezTo>
-                    <a:pt x="58215" y="1300261"/>
-                    <a:pt x="0" y="1242046"/>
-                    <a:pt x="0" y="1170235"/>
-                  </a:cubicBezTo>
-                  <a:lnTo>
-                    <a:pt x="0" y="130026"/>
-                  </a:lnTo>
-                  <a:close/>
-                </a:path>
-              </a:pathLst>
-            </a:custGeom>
-            <a:grpFill/>
-          </p:spPr>
-          <p:style>
-            <a:lnRef idx="2">
-              <a:schemeClr val="lt1">
-                <a:hueOff val="0"/>
-                <a:satOff val="0"/>
-                <a:lumOff val="0"/>
-                <a:alphaOff val="0"/>
-              </a:schemeClr>
-            </a:lnRef>
-            <a:fillRef idx="1">
-              <a:schemeClr val="accent1">
-                <a:hueOff val="0"/>
-                <a:satOff val="0"/>
-                <a:lumOff val="0"/>
-                <a:alphaOff val="0"/>
-              </a:schemeClr>
-            </a:fillRef>
-            <a:effectRef idx="0">
-              <a:schemeClr val="accent1">
-                <a:hueOff val="0"/>
-                <a:satOff val="0"/>
-                <a:lumOff val="0"/>
-                <a:alphaOff val="0"/>
-              </a:schemeClr>
-            </a:effectRef>
-            <a:fontRef idx="minor">
-              <a:schemeClr val="lt1"/>
-            </a:fontRef>
-          </p:style>
-          <p:txBody>
-            <a:bodyPr spcFirstLastPara="0" vert="horz" wrap="square" lIns="2301726" tIns="68580" rIns="68581" bIns="68580" numCol="1" spcCol="1270" anchor="t" anchorCtr="0">
-              <a:noAutofit/>
-            </a:bodyPr>
-            <a:lstStyle/>
-            <a:p>
-              <a:pPr lvl="0" algn="l" defTabSz="800100" latinLnBrk="1">
-                <a:lnSpc>
-                  <a:spcPct val="90000"/>
-                </a:lnSpc>
-                <a:spcBef>
-                  <a:spcPct val="0"/>
-                </a:spcBef>
-                <a:spcAft>
-                  <a:spcPct val="35000"/>
-                </a:spcAft>
-              </a:pPr>
-              <a:endParaRPr lang="ko-KR" altLang="en-US" sz="1800" kern="1200"/>
-            </a:p>
-            <a:p>
-              <a:pPr marL="114300" lvl="1" indent="-114300" algn="l" defTabSz="622300" latinLnBrk="1">
-                <a:lnSpc>
-                  <a:spcPct val="90000"/>
-                </a:lnSpc>
-                <a:spcBef>
-                  <a:spcPct val="0"/>
-                </a:spcBef>
-                <a:spcAft>
-                  <a:spcPct val="15000"/>
-                </a:spcAft>
-                <a:buChar char="••"/>
-              </a:pPr>
-              <a:endParaRPr lang="ko-KR" altLang="en-US" sz="1400" kern="1200"/>
-            </a:p>
-            <a:p>
-              <a:pPr marL="114300" lvl="1" indent="-114300" algn="l" defTabSz="622300" latinLnBrk="1">
-                <a:lnSpc>
-                  <a:spcPct val="90000"/>
-                </a:lnSpc>
-                <a:spcBef>
-                  <a:spcPct val="0"/>
-                </a:spcBef>
-                <a:spcAft>
-                  <a:spcPct val="15000"/>
-                </a:spcAft>
-                <a:buChar char="••"/>
-              </a:pPr>
-              <a:endParaRPr lang="ko-KR" altLang="en-US" sz="1400" kern="1200"/>
-            </a:p>
-          </p:txBody>
-        </p:sp>
-      </p:grpSp>
-      <p:sp>
-        <p:nvSpPr>
-          <p:cNvPr id="3" name="제목 2">
-            <a:extLst>
-              <a:ext uri="{FF2B5EF4-FFF2-40B4-BE49-F238E27FC236}">
-                <a16:creationId xmlns="" xmlns:a16="http://schemas.microsoft.com/office/drawing/2014/main" id="{21C19F7A-5B61-4C67-88A2-F3BD1D46C1A5}"/>
-              </a:ext>
-            </a:extLst>
-          </p:cNvPr>
-          <p:cNvSpPr>
-            <a:spLocks noGrp="1"/>
-          </p:cNvSpPr>
-          <p:nvPr>
-            <p:ph type="title"/>
-          </p:nvPr>
-        </p:nvSpPr>
-        <p:spPr>
-          <a:xfrm>
-            <a:off x="818103" y="83771"/>
-            <a:ext cx="10515600" cy="1325563"/>
-          </a:xfrm>
-        </p:spPr>
-        <p:txBody>
-          <a:bodyPr/>
-          <a:lstStyle/>
-          <a:p>
-            <a:r>
-              <a:rPr lang="en-US" altLang="ko-KR" dirty="0" smtClean="0"/>
-              <a:t>Expected Benefits</a:t>
-            </a:r>
-            <a:endParaRPr lang="ko-KR" altLang="en-US" b="0" dirty="0"/>
-          </a:p>
-        </p:txBody>
-      </p:sp>
-      <p:sp>
-        <p:nvSpPr>
-          <p:cNvPr id="30" name="타원 29"/>
-          <p:cNvSpPr/>
-          <p:nvPr/>
-        </p:nvSpPr>
-        <p:spPr>
-          <a:xfrm>
-            <a:off x="1065125" y="1386673"/>
-            <a:ext cx="2180493" cy="1683133"/>
-          </a:xfrm>
-          <a:prstGeom prst="ellipse">
-            <a:avLst/>
-          </a:prstGeom>
-          <a:solidFill>
-            <a:schemeClr val="tx2">
-              <a:lumMod val="10000"/>
-              <a:lumOff val="90000"/>
-            </a:schemeClr>
-          </a:solidFill>
-        </p:spPr>
-        <p:style>
-          <a:lnRef idx="2">
-            <a:schemeClr val="accent1">
-              <a:shade val="50000"/>
-            </a:schemeClr>
-          </a:lnRef>
-          <a:fillRef idx="1">
-            <a:schemeClr val="accent1"/>
-          </a:fillRef>
-          <a:effectRef idx="0">
-            <a:schemeClr val="accent1"/>
-          </a:effectRef>
-          <a:fontRef idx="minor">
-            <a:schemeClr val="lt1"/>
-          </a:fontRef>
-        </p:style>
-        <p:txBody>
-          <a:bodyPr rtlCol="0" anchor="ctr"/>
-          <a:lstStyle/>
-          <a:p>
-            <a:pPr algn="ctr"/>
-            <a:endParaRPr lang="ko-KR" altLang="en-US" dirty="0">
-              <a:solidFill>
-                <a:schemeClr val="tx2"/>
-              </a:solidFill>
-            </a:endParaRPr>
-          </a:p>
-        </p:txBody>
-      </p:sp>
-      <p:sp>
-        <p:nvSpPr>
-          <p:cNvPr id="31" name="TextBox 30"/>
-          <p:cNvSpPr txBox="1"/>
-          <p:nvPr/>
-        </p:nvSpPr>
-        <p:spPr>
-          <a:xfrm>
-            <a:off x="1205919" y="2421960"/>
-            <a:ext cx="1984913" cy="461665"/>
-          </a:xfrm>
-          <a:prstGeom prst="rect">
-            <a:avLst/>
-          </a:prstGeom>
-          <a:noFill/>
-        </p:spPr>
-        <p:txBody>
-          <a:bodyPr wrap="square" rtlCol="0">
-            <a:spAutoFit/>
-          </a:bodyPr>
-          <a:lstStyle/>
-          <a:p>
-            <a:pPr algn="ctr"/>
-            <a:r>
-              <a:rPr lang="en-US" altLang="ko-KR" sz="2400" b="1" dirty="0" smtClean="0"/>
-              <a:t>Convenience</a:t>
-            </a:r>
-            <a:endParaRPr lang="ko-KR" altLang="en-US" sz="2400" b="1" dirty="0"/>
-          </a:p>
-        </p:txBody>
-      </p:sp>
-      <p:sp>
-        <p:nvSpPr>
-          <p:cNvPr id="32" name="TextBox 31"/>
-          <p:cNvSpPr txBox="1"/>
-          <p:nvPr/>
-        </p:nvSpPr>
-        <p:spPr>
-          <a:xfrm>
-            <a:off x="3396341" y="1673132"/>
-            <a:ext cx="5687367" cy="1200329"/>
-          </a:xfrm>
-          <a:prstGeom prst="rect">
-            <a:avLst/>
-          </a:prstGeom>
-          <a:noFill/>
-        </p:spPr>
-        <p:txBody>
-          <a:bodyPr wrap="square" rtlCol="0">
-            <a:spAutoFit/>
-          </a:bodyPr>
-          <a:lstStyle/>
-          <a:p>
-            <a:pPr marL="285750" indent="-285750">
-              <a:buFont typeface="Arial" panose="020B0604020202020204" pitchFamily="34" charset="0"/>
-              <a:buChar char="•"/>
-            </a:pPr>
-            <a:r>
-              <a:rPr lang="en-US" altLang="ko-KR" dirty="0" smtClean="0"/>
-              <a:t>Just click a button and get shortest path between classrooms in university</a:t>
-            </a:r>
-          </a:p>
-          <a:p>
-            <a:pPr marL="285750" indent="-285750">
-              <a:buFont typeface="Arial" panose="020B0604020202020204" pitchFamily="34" charset="0"/>
-              <a:buChar char="•"/>
-            </a:pPr>
-            <a:endParaRPr lang="en-US" altLang="ko-KR" dirty="0" smtClean="0"/>
-          </a:p>
-          <a:p>
-            <a:pPr marL="285750" indent="-285750">
-              <a:buFont typeface="Arial" panose="020B0604020202020204" pitchFamily="34" charset="0"/>
-              <a:buChar char="•"/>
-            </a:pPr>
-            <a:r>
-              <a:rPr lang="en-US" altLang="ko-KR" dirty="0" smtClean="0"/>
-              <a:t>Can find path and location in easy, accurate way</a:t>
-            </a:r>
-          </a:p>
-        </p:txBody>
-      </p:sp>
-      <p:sp>
-        <p:nvSpPr>
-          <p:cNvPr id="35" name="타원 34"/>
-          <p:cNvSpPr/>
-          <p:nvPr/>
-        </p:nvSpPr>
-        <p:spPr>
-          <a:xfrm>
-            <a:off x="1065125" y="3104585"/>
-            <a:ext cx="2180493" cy="1683133"/>
-          </a:xfrm>
-          <a:prstGeom prst="ellipse">
-            <a:avLst/>
-          </a:prstGeom>
-          <a:solidFill>
-            <a:schemeClr val="tx2">
-              <a:lumMod val="10000"/>
-              <a:lumOff val="90000"/>
-            </a:schemeClr>
-          </a:solidFill>
-        </p:spPr>
-        <p:style>
-          <a:lnRef idx="2">
-            <a:schemeClr val="accent1">
-              <a:shade val="50000"/>
-            </a:schemeClr>
-          </a:lnRef>
-          <a:fillRef idx="1">
-            <a:schemeClr val="accent1"/>
-          </a:fillRef>
-          <a:effectRef idx="0">
-            <a:schemeClr val="accent1"/>
-          </a:effectRef>
-          <a:fontRef idx="minor">
-            <a:schemeClr val="lt1"/>
-          </a:fontRef>
-        </p:style>
-        <p:txBody>
-          <a:bodyPr rtlCol="0" anchor="ctr"/>
-          <a:lstStyle/>
-          <a:p>
-            <a:pPr algn="ctr"/>
-            <a:endParaRPr lang="ko-KR" altLang="en-US" dirty="0">
-              <a:solidFill>
-                <a:schemeClr val="tx2"/>
-              </a:solidFill>
-            </a:endParaRPr>
-          </a:p>
-        </p:txBody>
-      </p:sp>
-      <p:sp>
-        <p:nvSpPr>
-          <p:cNvPr id="37" name="TextBox 36"/>
-          <p:cNvSpPr txBox="1"/>
-          <p:nvPr/>
-        </p:nvSpPr>
-        <p:spPr>
-          <a:xfrm>
-            <a:off x="1261187" y="4148181"/>
-            <a:ext cx="1758586" cy="461665"/>
-          </a:xfrm>
-          <a:prstGeom prst="rect">
-            <a:avLst/>
-          </a:prstGeom>
-          <a:noFill/>
-        </p:spPr>
-        <p:txBody>
-          <a:bodyPr wrap="square" rtlCol="0">
-            <a:spAutoFit/>
-          </a:bodyPr>
-          <a:lstStyle/>
-          <a:p>
-            <a:pPr algn="ctr"/>
-            <a:r>
-              <a:rPr lang="en-US" altLang="ko-KR" sz="2400" b="1" dirty="0" smtClean="0"/>
-              <a:t>Technology</a:t>
-            </a:r>
-            <a:endParaRPr lang="ko-KR" altLang="en-US" sz="2400" b="1" dirty="0"/>
-          </a:p>
-        </p:txBody>
-      </p:sp>
-      <p:sp>
-        <p:nvSpPr>
-          <p:cNvPr id="39" name="TextBox 38"/>
-          <p:cNvSpPr txBox="1"/>
-          <p:nvPr/>
-        </p:nvSpPr>
-        <p:spPr>
-          <a:xfrm>
-            <a:off x="3336873" y="3139862"/>
-            <a:ext cx="5968722" cy="1754326"/>
-          </a:xfrm>
-          <a:prstGeom prst="rect">
-            <a:avLst/>
-          </a:prstGeom>
-          <a:noFill/>
-        </p:spPr>
-        <p:txBody>
-          <a:bodyPr wrap="square" rtlCol="0">
-            <a:spAutoFit/>
-          </a:bodyPr>
-          <a:lstStyle/>
-          <a:p>
-            <a:endParaRPr lang="en-US" altLang="ko-KR" dirty="0" smtClean="0"/>
-          </a:p>
-          <a:p>
-            <a:pPr marL="285750" indent="-285750">
-              <a:buFont typeface="Arial" panose="020B0604020202020204" pitchFamily="34" charset="0"/>
-              <a:buChar char="•"/>
-            </a:pPr>
-            <a:r>
-              <a:rPr lang="en-US" altLang="ko-KR" dirty="0" smtClean="0"/>
-              <a:t>Use machine learning models with </a:t>
-            </a:r>
-            <a:r>
-              <a:rPr lang="en-US" altLang="ko-KR" dirty="0" err="1" smtClean="0"/>
-              <a:t>Wifi</a:t>
-            </a:r>
-            <a:r>
-              <a:rPr lang="en-US" altLang="ko-KR" dirty="0" smtClean="0"/>
-              <a:t> and GPS data</a:t>
-            </a:r>
-          </a:p>
-          <a:p>
-            <a:pPr marL="285750" indent="-285750">
-              <a:buFont typeface="Arial" panose="020B0604020202020204" pitchFamily="34" charset="0"/>
-              <a:buChar char="•"/>
-            </a:pPr>
-            <a:endParaRPr lang="en-US" altLang="ko-KR" dirty="0" smtClean="0"/>
-          </a:p>
-          <a:p>
-            <a:pPr marL="285750" indent="-285750">
-              <a:buFont typeface="Arial" panose="020B0604020202020204" pitchFamily="34" charset="0"/>
-              <a:buChar char="•"/>
-            </a:pPr>
-            <a:r>
-              <a:rPr lang="en-US" altLang="ko-KR" dirty="0"/>
-              <a:t>Get accurate location information even in building</a:t>
-            </a:r>
-          </a:p>
-          <a:p>
-            <a:pPr marL="285750" indent="-285750">
-              <a:buFont typeface="Arial" panose="020B0604020202020204" pitchFamily="34" charset="0"/>
-              <a:buChar char="•"/>
-            </a:pPr>
-            <a:endParaRPr lang="en-US" altLang="ko-KR" dirty="0" smtClean="0"/>
-          </a:p>
-          <a:p>
-            <a:endParaRPr lang="ko-KR" altLang="en-US" dirty="0"/>
-          </a:p>
-        </p:txBody>
-      </p:sp>
-      <p:sp>
-        <p:nvSpPr>
-          <p:cNvPr id="40" name="TextBox 39"/>
-          <p:cNvSpPr txBox="1"/>
-          <p:nvPr/>
-        </p:nvSpPr>
-        <p:spPr>
-          <a:xfrm>
-            <a:off x="3336873" y="5138550"/>
-            <a:ext cx="5416061" cy="1200329"/>
-          </a:xfrm>
-          <a:prstGeom prst="rect">
-            <a:avLst/>
-          </a:prstGeom>
-          <a:noFill/>
-        </p:spPr>
-        <p:txBody>
-          <a:bodyPr wrap="square" rtlCol="0">
-            <a:spAutoFit/>
-          </a:bodyPr>
-          <a:lstStyle/>
-          <a:p>
-            <a:pPr marL="285750" indent="-285750">
-              <a:buFont typeface="Arial" panose="020B0604020202020204" pitchFamily="34" charset="0"/>
-              <a:buChar char="•"/>
-            </a:pPr>
-            <a:r>
-              <a:rPr lang="en-US" altLang="ko-KR" dirty="0" smtClean="0"/>
-              <a:t>Don’t have to find shortest path on your own</a:t>
-            </a:r>
-          </a:p>
-          <a:p>
-            <a:endParaRPr lang="en-US" altLang="ko-KR" dirty="0" smtClean="0"/>
-          </a:p>
-          <a:p>
-            <a:pPr marL="285750" indent="-285750">
-              <a:buFont typeface="Arial" panose="020B0604020202020204" pitchFamily="34" charset="0"/>
-              <a:buChar char="•"/>
-            </a:pPr>
-            <a:r>
-              <a:rPr lang="en-US" altLang="ko-KR" dirty="0" smtClean="0"/>
-              <a:t>Save your time and energy</a:t>
-            </a:r>
-          </a:p>
-          <a:p>
-            <a:pPr marL="285750" indent="-285750">
-              <a:buFont typeface="Arial" panose="020B0604020202020204" pitchFamily="34" charset="0"/>
-              <a:buChar char="•"/>
-            </a:pPr>
-            <a:endParaRPr lang="ko-KR" altLang="en-US" dirty="0"/>
-          </a:p>
-        </p:txBody>
-      </p:sp>
-      <p:sp>
-        <p:nvSpPr>
-          <p:cNvPr id="41" name="타원 40"/>
-          <p:cNvSpPr/>
-          <p:nvPr/>
-        </p:nvSpPr>
-        <p:spPr>
-          <a:xfrm>
-            <a:off x="1096092" y="4823803"/>
-            <a:ext cx="2180493" cy="1683133"/>
-          </a:xfrm>
-          <a:prstGeom prst="ellipse">
-            <a:avLst/>
-          </a:prstGeom>
-          <a:solidFill>
-            <a:schemeClr val="tx2">
-              <a:lumMod val="10000"/>
-              <a:lumOff val="90000"/>
-            </a:schemeClr>
-          </a:solidFill>
-        </p:spPr>
-        <p:style>
-          <a:lnRef idx="2">
-            <a:schemeClr val="accent1">
-              <a:shade val="50000"/>
-            </a:schemeClr>
-          </a:lnRef>
-          <a:fillRef idx="1">
-            <a:schemeClr val="accent1"/>
-          </a:fillRef>
-          <a:effectRef idx="0">
-            <a:schemeClr val="accent1"/>
-          </a:effectRef>
-          <a:fontRef idx="minor">
-            <a:schemeClr val="lt1"/>
-          </a:fontRef>
-        </p:style>
-        <p:txBody>
-          <a:bodyPr rtlCol="0" anchor="ctr"/>
-          <a:lstStyle/>
-          <a:p>
-            <a:pPr algn="ctr"/>
-            <a:endParaRPr lang="ko-KR" altLang="en-US" dirty="0">
-              <a:solidFill>
-                <a:schemeClr val="tx2"/>
-              </a:solidFill>
-            </a:endParaRPr>
-          </a:p>
-        </p:txBody>
-      </p:sp>
-      <p:sp>
-        <p:nvSpPr>
-          <p:cNvPr id="42" name="TextBox 41"/>
-          <p:cNvSpPr txBox="1"/>
-          <p:nvPr/>
-        </p:nvSpPr>
-        <p:spPr>
-          <a:xfrm>
-            <a:off x="1261187" y="5827628"/>
-            <a:ext cx="1874379" cy="461665"/>
-          </a:xfrm>
-          <a:prstGeom prst="rect">
-            <a:avLst/>
-          </a:prstGeom>
-          <a:noFill/>
-        </p:spPr>
-        <p:txBody>
-          <a:bodyPr wrap="square" rtlCol="0">
-            <a:spAutoFit/>
-          </a:bodyPr>
-          <a:lstStyle/>
-          <a:p>
-            <a:pPr algn="ctr"/>
-            <a:r>
-              <a:rPr lang="en-US" altLang="ko-KR" sz="2400" b="1" dirty="0" smtClean="0"/>
+              <a:rPr lang="en-US" altLang="ko-KR" sz="2000" b="1" dirty="0" smtClean="0"/>
               <a:t>Economical</a:t>
             </a:r>
-            <a:endParaRPr lang="ko-KR" altLang="en-US" sz="2400" b="1" dirty="0"/>
+            <a:endParaRPr lang="ko-KR" altLang="en-US" sz="2000" b="1" dirty="0"/>
           </a:p>
         </p:txBody>
       </p:sp>
@@ -16390,8 +16998,8 @@
         </p:blipFill>
         <p:spPr bwMode="auto">
           <a:xfrm>
-            <a:off x="1683735" y="1398310"/>
-            <a:ext cx="943263" cy="943263"/>
+            <a:off x="1812496" y="1457079"/>
+            <a:ext cx="943263" cy="681694"/>
           </a:xfrm>
           <a:prstGeom prst="rect">
             <a:avLst/>
@@ -16431,8 +17039,8 @@
         </p:blipFill>
         <p:spPr bwMode="auto">
           <a:xfrm>
-            <a:off x="1665847" y="3130169"/>
-            <a:ext cx="1040981" cy="1040981"/>
+            <a:off x="1866702" y="2843684"/>
+            <a:ext cx="889057" cy="672356"/>
           </a:xfrm>
           <a:prstGeom prst="rect">
             <a:avLst/>
@@ -16472,8 +17080,8 @@
         </p:blipFill>
         <p:spPr bwMode="auto">
           <a:xfrm>
-            <a:off x="1695522" y="4872095"/>
-            <a:ext cx="1011306" cy="955533"/>
+            <a:off x="1752348" y="3973568"/>
+            <a:ext cx="1011306" cy="690561"/>
           </a:xfrm>
           <a:prstGeom prst="rect">
             <a:avLst/>
@@ -16490,6 +17098,205 @@
           </a:extLst>
         </p:spPr>
       </p:pic>
+      <p:sp>
+        <p:nvSpPr>
+          <p:cNvPr id="29" name="타원 28"/>
+          <p:cNvSpPr/>
+          <p:nvPr/>
+        </p:nvSpPr>
+        <p:spPr>
+          <a:xfrm>
+            <a:off x="1289405" y="5223929"/>
+            <a:ext cx="1876646" cy="1216395"/>
+          </a:xfrm>
+          <a:prstGeom prst="ellipse">
+            <a:avLst/>
+          </a:prstGeom>
+          <a:solidFill>
+            <a:schemeClr val="tx2">
+              <a:lumMod val="10000"/>
+              <a:lumOff val="90000"/>
+            </a:schemeClr>
+          </a:solidFill>
+        </p:spPr>
+        <p:style>
+          <a:lnRef idx="2">
+            <a:schemeClr val="accent1">
+              <a:shade val="50000"/>
+            </a:schemeClr>
+          </a:lnRef>
+          <a:fillRef idx="1">
+            <a:schemeClr val="accent1"/>
+          </a:fillRef>
+          <a:effectRef idx="0">
+            <a:schemeClr val="accent1"/>
+          </a:effectRef>
+          <a:fontRef idx="minor">
+            <a:schemeClr val="lt1"/>
+          </a:fontRef>
+        </p:style>
+        <p:txBody>
+          <a:bodyPr rtlCol="0" anchor="ctr"/>
+          <a:lstStyle/>
+          <a:p>
+            <a:pPr algn="ctr"/>
+            <a:endParaRPr lang="ko-KR" altLang="en-US" dirty="0">
+              <a:solidFill>
+                <a:schemeClr val="tx2"/>
+              </a:solidFill>
+            </a:endParaRPr>
+          </a:p>
+        </p:txBody>
+      </p:sp>
+      <p:sp>
+        <p:nvSpPr>
+          <p:cNvPr id="33" name="TextBox 32"/>
+          <p:cNvSpPr txBox="1"/>
+          <p:nvPr/>
+        </p:nvSpPr>
+        <p:spPr>
+          <a:xfrm>
+            <a:off x="1300990" y="5962782"/>
+            <a:ext cx="1874379" cy="400110"/>
+          </a:xfrm>
+          <a:prstGeom prst="rect">
+            <a:avLst/>
+          </a:prstGeom>
+          <a:noFill/>
+        </p:spPr>
+        <p:txBody>
+          <a:bodyPr wrap="square" rtlCol="0">
+            <a:spAutoFit/>
+          </a:bodyPr>
+          <a:lstStyle/>
+          <a:p>
+            <a:pPr algn="ctr"/>
+            <a:r>
+              <a:rPr lang="en-US" altLang="ko-KR" sz="2000" b="1" dirty="0" smtClean="0"/>
+              <a:t>Promotion</a:t>
+            </a:r>
+            <a:endParaRPr lang="ko-KR" altLang="en-US" sz="2000" b="1" dirty="0"/>
+          </a:p>
+        </p:txBody>
+      </p:sp>
+      <p:pic>
+        <p:nvPicPr>
+          <p:cNvPr id="2" name="Picture 2" descr="D:\joohyung\google_drive_backup\joohyung\성대\3학년\1학기\소공개\팀프로젝트\제안서\promotion.png"/>
+          <p:cNvPicPr>
+            <a:picLocks noChangeAspect="1" noChangeArrowheads="1"/>
+          </p:cNvPicPr>
+          <p:nvPr/>
+        </p:nvPicPr>
+        <p:blipFill>
+          <a:blip r:embed="rId6" cstate="print">
+            <a:extLst>
+              <a:ext uri="{28A0092B-C50C-407E-A947-70E740481C1C}">
+                <a14:useLocalDpi xmlns:a14="http://schemas.microsoft.com/office/drawing/2010/main" val="0"/>
+              </a:ext>
+            </a:extLst>
+          </a:blip>
+          <a:srcRect/>
+          <a:stretch>
+            <a:fillRect/>
+          </a:stretch>
+        </p:blipFill>
+        <p:spPr bwMode="auto">
+          <a:xfrm>
+            <a:off x="1812496" y="5275233"/>
+            <a:ext cx="719688" cy="717288"/>
+          </a:xfrm>
+          <a:prstGeom prst="rect">
+            <a:avLst/>
+          </a:prstGeom>
+          <a:noFill/>
+          <a:extLst>
+            <a:ext uri="{909E8E84-426E-40DD-AFC4-6F175D3DCCD1}">
+              <a14:hiddenFill xmlns:a14="http://schemas.microsoft.com/office/drawing/2010/main">
+                <a:solidFill>
+                  <a:srgbClr val="FFFFFF"/>
+                </a:solidFill>
+              </a14:hiddenFill>
+            </a:ext>
+          </a:extLst>
+        </p:spPr>
+      </p:pic>
+      <p:sp>
+        <p:nvSpPr>
+          <p:cNvPr id="36" name="TextBox 35"/>
+          <p:cNvSpPr txBox="1"/>
+          <p:nvPr/>
+        </p:nvSpPr>
+        <p:spPr>
+          <a:xfrm>
+            <a:off x="3381265" y="5275233"/>
+            <a:ext cx="5416061" cy="1261884"/>
+          </a:xfrm>
+          <a:prstGeom prst="rect">
+            <a:avLst/>
+          </a:prstGeom>
+          <a:noFill/>
+        </p:spPr>
+        <p:txBody>
+          <a:bodyPr wrap="square" rtlCol="0">
+            <a:spAutoFit/>
+          </a:bodyPr>
+          <a:lstStyle/>
+          <a:p>
+            <a:pPr marL="285750" indent="-285750">
+              <a:buFont typeface="Arial" panose="020B0604020202020204" pitchFamily="34" charset="0"/>
+              <a:buChar char="•"/>
+            </a:pPr>
+            <a:r>
+              <a:rPr lang="en-US" altLang="ko-KR" sz="1700" dirty="0" smtClean="0"/>
+              <a:t>Easy promotion of campus to middle and high school students</a:t>
+            </a:r>
+          </a:p>
+          <a:p>
+            <a:pPr>
+              <a:lnSpc>
+                <a:spcPts val="1500"/>
+              </a:lnSpc>
+            </a:pPr>
+            <a:endParaRPr lang="en-US" altLang="ko-KR" sz="1700" dirty="0" smtClean="0"/>
+          </a:p>
+          <a:p>
+            <a:pPr marL="285750" indent="-285750">
+              <a:lnSpc>
+                <a:spcPts val="1500"/>
+              </a:lnSpc>
+              <a:buFont typeface="Arial" panose="020B0604020202020204" pitchFamily="34" charset="0"/>
+              <a:buChar char="•"/>
+            </a:pPr>
+            <a:r>
+              <a:rPr lang="en-US" altLang="ko-KR" sz="1700" dirty="0" smtClean="0"/>
+              <a:t>Attract </a:t>
+            </a:r>
+            <a:r>
+              <a:rPr lang="en-US" altLang="ko-KR" sz="1700" dirty="0"/>
+              <a:t>more </a:t>
+            </a:r>
+            <a:r>
+              <a:rPr lang="en-US" altLang="ko-KR" sz="1700"/>
+              <a:t>students </a:t>
+            </a:r>
+            <a:r>
+              <a:rPr lang="en-US" altLang="ko-KR" sz="1700" smtClean="0"/>
+              <a:t>to </a:t>
+            </a:r>
+            <a:r>
+              <a:rPr lang="en-US" altLang="ko-KR" sz="1700" dirty="0"/>
+              <a:t>the university</a:t>
+            </a:r>
+          </a:p>
+          <a:p>
+            <a:pPr marL="285750" indent="-285750">
+              <a:buFont typeface="Arial" panose="020B0604020202020204" pitchFamily="34" charset="0"/>
+              <a:buChar char="•"/>
+            </a:pPr>
+            <a:endParaRPr lang="ko-KR" altLang="en-US" sz="1700" dirty="0"/>
+          </a:p>
+        </p:txBody>
+      </p:sp>
     </p:spTree>
     <p:extLst>
       <p:ext uri="{BB962C8B-B14F-4D97-AF65-F5344CB8AC3E}">
